--- a/lambda-ppt.pptx
+++ b/lambda-ppt.pptx
@@ -10,6 +10,20 @@
     <p:sldId id="258" r:id="rId4"/>
     <p:sldId id="259" r:id="rId5"/>
     <p:sldId id="260" r:id="rId6"/>
+    <p:sldId id="261" r:id="rId7"/>
+    <p:sldId id="262" r:id="rId8"/>
+    <p:sldId id="263" r:id="rId9"/>
+    <p:sldId id="264" r:id="rId10"/>
+    <p:sldId id="265" r:id="rId11"/>
+    <p:sldId id="270" r:id="rId12"/>
+    <p:sldId id="267" r:id="rId13"/>
+    <p:sldId id="268" r:id="rId14"/>
+    <p:sldId id="271" r:id="rId15"/>
+    <p:sldId id="269" r:id="rId16"/>
+    <p:sldId id="272" r:id="rId17"/>
+    <p:sldId id="273" r:id="rId18"/>
+    <p:sldId id="266" r:id="rId19"/>
+    <p:sldId id="274" r:id="rId20"/>
   </p:sldIdLst>
   <p:sldSz cx="12192000" cy="6858000"/>
   <p:notesSz cx="6858000" cy="9144000"/>
@@ -130,9 +144,30 @@
         <p14:section name="Java" id="{D673AFF9-BAC9-4E27-B04C-977A9D710790}">
           <p14:sldIdLst>
             <p14:sldId id="260"/>
+            <p14:sldId id="261"/>
+            <p14:sldId id="262"/>
+            <p14:sldId id="263"/>
+            <p14:sldId id="264"/>
+            <p14:sldId id="265"/>
+            <p14:sldId id="270"/>
+            <p14:sldId id="267"/>
+            <p14:sldId id="268"/>
+            <p14:sldId id="271"/>
+            <p14:sldId id="269"/>
+            <p14:sldId id="272"/>
+            <p14:sldId id="273"/>
+          </p14:sldIdLst>
+        </p14:section>
+        <p14:section name="总结" id="{EFC48B01-BE7C-407C-934A-0F901FA70BC9}">
+          <p14:sldIdLst>
+            <p14:sldId id="266"/>
+            <p14:sldId id="274"/>
           </p14:sldIdLst>
         </p14:section>
       </p14:sectionLst>
+    </p:ext>
+    <p:ext uri="{EFAFB233-063F-42B5-8137-9DF3F51BA10A}">
+      <p15:sldGuideLst xmlns:p15="http://schemas.microsoft.com/office/powerpoint/2012/main"/>
     </p:ext>
   </p:extLst>
 </p:presentation>
@@ -269,7 +304,7 @@
           <a:p>
             <a:fld id="{63999BEB-2D66-4060-9336-20566527F529}" type="datetimeFigureOut">
               <a:rPr lang="zh-CN" altLang="en-US" smtClean="0"/>
-              <a:t>2020/5/17</a:t>
+              <a:t>2020/5/20</a:t>
             </a:fld>
             <a:endParaRPr lang="zh-CN" altLang="en-US"/>
           </a:p>
@@ -439,7 +474,7 @@
           <a:p>
             <a:fld id="{63999BEB-2D66-4060-9336-20566527F529}" type="datetimeFigureOut">
               <a:rPr lang="zh-CN" altLang="en-US" smtClean="0"/>
-              <a:t>2020/5/17</a:t>
+              <a:t>2020/5/20</a:t>
             </a:fld>
             <a:endParaRPr lang="zh-CN" altLang="en-US"/>
           </a:p>
@@ -619,7 +654,7 @@
           <a:p>
             <a:fld id="{63999BEB-2D66-4060-9336-20566527F529}" type="datetimeFigureOut">
               <a:rPr lang="zh-CN" altLang="en-US" smtClean="0"/>
-              <a:t>2020/5/17</a:t>
+              <a:t>2020/5/20</a:t>
             </a:fld>
             <a:endParaRPr lang="zh-CN" altLang="en-US"/>
           </a:p>
@@ -789,7 +824,7 @@
           <a:p>
             <a:fld id="{63999BEB-2D66-4060-9336-20566527F529}" type="datetimeFigureOut">
               <a:rPr lang="zh-CN" altLang="en-US" smtClean="0"/>
-              <a:t>2020/5/17</a:t>
+              <a:t>2020/5/20</a:t>
             </a:fld>
             <a:endParaRPr lang="zh-CN" altLang="en-US"/>
           </a:p>
@@ -847,6 +882,13 @@
   <p:clrMapOvr>
     <a:masterClrMapping/>
   </p:clrMapOvr>
+  <p:timing>
+    <p:tnLst>
+      <p:par>
+        <p:cTn id="1" dur="indefinite" restart="never" nodeType="tmRoot"/>
+      </p:par>
+    </p:tnLst>
+  </p:timing>
 </p:sldLayout>
 </file>
 
@@ -1035,7 +1077,7 @@
           <a:p>
             <a:fld id="{63999BEB-2D66-4060-9336-20566527F529}" type="datetimeFigureOut">
               <a:rPr lang="zh-CN" altLang="en-US" smtClean="0"/>
-              <a:t>2020/5/17</a:t>
+              <a:t>2020/5/20</a:t>
             </a:fld>
             <a:endParaRPr lang="zh-CN" altLang="en-US"/>
           </a:p>
@@ -1267,7 +1309,7 @@
           <a:p>
             <a:fld id="{63999BEB-2D66-4060-9336-20566527F529}" type="datetimeFigureOut">
               <a:rPr lang="zh-CN" altLang="en-US" smtClean="0"/>
-              <a:t>2020/5/17</a:t>
+              <a:t>2020/5/20</a:t>
             </a:fld>
             <a:endParaRPr lang="zh-CN" altLang="en-US"/>
           </a:p>
@@ -1634,7 +1676,7 @@
           <a:p>
             <a:fld id="{63999BEB-2D66-4060-9336-20566527F529}" type="datetimeFigureOut">
               <a:rPr lang="zh-CN" altLang="en-US" smtClean="0"/>
-              <a:t>2020/5/17</a:t>
+              <a:t>2020/5/20</a:t>
             </a:fld>
             <a:endParaRPr lang="zh-CN" altLang="en-US"/>
           </a:p>
@@ -1752,7 +1794,7 @@
           <a:p>
             <a:fld id="{63999BEB-2D66-4060-9336-20566527F529}" type="datetimeFigureOut">
               <a:rPr lang="zh-CN" altLang="en-US" smtClean="0"/>
-              <a:t>2020/5/17</a:t>
+              <a:t>2020/5/20</a:t>
             </a:fld>
             <a:endParaRPr lang="zh-CN" altLang="en-US"/>
           </a:p>
@@ -1847,7 +1889,7 @@
           <a:p>
             <a:fld id="{63999BEB-2D66-4060-9336-20566527F529}" type="datetimeFigureOut">
               <a:rPr lang="zh-CN" altLang="en-US" smtClean="0"/>
-              <a:t>2020/5/17</a:t>
+              <a:t>2020/5/20</a:t>
             </a:fld>
             <a:endParaRPr lang="zh-CN" altLang="en-US"/>
           </a:p>
@@ -2124,7 +2166,7 @@
           <a:p>
             <a:fld id="{63999BEB-2D66-4060-9336-20566527F529}" type="datetimeFigureOut">
               <a:rPr lang="zh-CN" altLang="en-US" smtClean="0"/>
-              <a:t>2020/5/17</a:t>
+              <a:t>2020/5/20</a:t>
             </a:fld>
             <a:endParaRPr lang="zh-CN" altLang="en-US"/>
           </a:p>
@@ -2377,7 +2419,7 @@
           <a:p>
             <a:fld id="{63999BEB-2D66-4060-9336-20566527F529}" type="datetimeFigureOut">
               <a:rPr lang="zh-CN" altLang="en-US" smtClean="0"/>
-              <a:t>2020/5/17</a:t>
+              <a:t>2020/5/20</a:t>
             </a:fld>
             <a:endParaRPr lang="zh-CN" altLang="en-US"/>
           </a:p>
@@ -2590,7 +2632,7 @@
           <a:p>
             <a:fld id="{63999BEB-2D66-4060-9336-20566527F529}" type="datetimeFigureOut">
               <a:rPr lang="zh-CN" altLang="en-US" smtClean="0"/>
-              <a:t>2020/5/17</a:t>
+              <a:t>2020/5/20</a:t>
             </a:fld>
             <a:endParaRPr lang="zh-CN" altLang="en-US"/>
           </a:p>
@@ -3057,7 +3099,9 @@
         </p:nvSpPr>
         <p:spPr/>
         <p:txBody>
-          <a:bodyPr/>
+          <a:bodyPr>
+            <a:normAutofit lnSpcReduction="10000"/>
+          </a:bodyPr>
           <a:lstStyle/>
           <a:p>
             <a:pPr algn="r"/>
@@ -3090,6 +3134,25 @@
             <a:r>
               <a:rPr lang="en-US" altLang="zh-CN" dirty="0" smtClean="0"/>
               <a:t>17307130285</a:t>
+            </a:r>
+          </a:p>
+          <a:p>
+            <a:pPr algn="r"/>
+            <a:r>
+              <a:rPr lang="zh-CN" altLang="en-US" dirty="0"/>
+              <a:t>有</a:t>
+            </a:r>
+            <a:r>
+              <a:rPr lang="zh-CN" altLang="en-US" dirty="0" smtClean="0"/>
+              <a:t>时间的话我会换个</a:t>
+            </a:r>
+            <a:r>
+              <a:rPr lang="en-US" altLang="zh-CN" dirty="0" smtClean="0"/>
+              <a:t>PPT</a:t>
+            </a:r>
+            <a:r>
+              <a:rPr lang="zh-CN" altLang="en-US" dirty="0" smtClean="0"/>
+              <a:t>模板</a:t>
             </a:r>
             <a:endParaRPr lang="zh-CN" altLang="en-US" dirty="0"/>
           </a:p>
@@ -3105,6 +3168,1281 @@
   <p:clrMapOvr>
     <a:masterClrMapping/>
   </p:clrMapOvr>
+  <p:timing>
+    <p:tnLst>
+      <p:par>
+        <p:cTn id="1" dur="indefinite" restart="never" nodeType="tmRoot"/>
+      </p:par>
+    </p:tnLst>
+  </p:timing>
+</p:sld>
+</file>
+
+<file path=ppt/slides/slide10.xml><?xml version="1.0" encoding="utf-8"?>
+<p:sld xmlns:a="http://schemas.openxmlformats.org/drawingml/2006/main" xmlns:r="http://schemas.openxmlformats.org/officeDocument/2006/relationships" xmlns:p="http://schemas.openxmlformats.org/presentationml/2006/main">
+  <p:cSld>
+    <p:spTree>
+      <p:nvGrpSpPr>
+        <p:cNvPr id="1" name=""/>
+        <p:cNvGrpSpPr/>
+        <p:nvPr/>
+      </p:nvGrpSpPr>
+      <p:grpSpPr>
+        <a:xfrm>
+          <a:off x="0" y="0"/>
+          <a:ext cx="0" cy="0"/>
+          <a:chOff x="0" y="0"/>
+          <a:chExt cx="0" cy="0"/>
+        </a:xfrm>
+      </p:grpSpPr>
+      <p:sp>
+        <p:nvSpPr>
+          <p:cNvPr id="2" name="标题 1"/>
+          <p:cNvSpPr>
+            <a:spLocks noGrp="1"/>
+          </p:cNvSpPr>
+          <p:nvPr>
+            <p:ph type="title"/>
+          </p:nvPr>
+        </p:nvSpPr>
+        <p:spPr/>
+        <p:txBody>
+          <a:bodyPr/>
+          <a:lstStyle/>
+          <a:p>
+            <a:r>
+              <a:rPr lang="zh-CN" altLang="en-US" dirty="0" smtClean="0"/>
+              <a:t>变量捕获</a:t>
+            </a:r>
+            <a:endParaRPr lang="zh-CN" altLang="en-US" dirty="0"/>
+          </a:p>
+        </p:txBody>
+      </p:sp>
+      <p:sp>
+        <p:nvSpPr>
+          <p:cNvPr id="3" name="内容占位符 2"/>
+          <p:cNvSpPr>
+            <a:spLocks noGrp="1"/>
+          </p:cNvSpPr>
+          <p:nvPr>
+            <p:ph idx="1"/>
+          </p:nvPr>
+        </p:nvSpPr>
+        <p:spPr/>
+        <p:txBody>
+          <a:bodyPr/>
+          <a:lstStyle/>
+          <a:p>
+            <a:r>
+              <a:rPr lang="en-US" altLang="zh-CN" dirty="0"/>
+              <a:t>lambda</a:t>
+            </a:r>
+            <a:r>
+              <a:rPr lang="zh-CN" altLang="en-US" dirty="0"/>
+              <a:t>表达式可以获取或设置其外层类的实例或静态变量的值，以及调用其外层类定义的</a:t>
+            </a:r>
+            <a:r>
+              <a:rPr lang="zh-CN" altLang="en-US" dirty="0" smtClean="0"/>
+              <a:t>方法</a:t>
+            </a:r>
+            <a:endParaRPr lang="en-US" altLang="zh-CN" dirty="0" smtClean="0"/>
+          </a:p>
+          <a:p>
+            <a:r>
+              <a:rPr lang="zh-CN" altLang="en-US" dirty="0" smtClean="0"/>
+              <a:t>具有</a:t>
+            </a:r>
+            <a:r>
+              <a:rPr lang="en-US" altLang="zh-CN" dirty="0" smtClean="0"/>
+              <a:t>final</a:t>
+            </a:r>
+            <a:r>
+              <a:rPr lang="zh-CN" altLang="en-US" dirty="0" smtClean="0"/>
+              <a:t>或者</a:t>
+            </a:r>
+            <a:r>
+              <a:rPr lang="en-US" altLang="zh-CN" dirty="0" smtClean="0"/>
+              <a:t>effectively final</a:t>
+            </a:r>
+            <a:r>
+              <a:rPr lang="zh-CN" altLang="en-US" dirty="0" smtClean="0"/>
+              <a:t>语义</a:t>
+            </a:r>
+            <a:endParaRPr lang="zh-CN" altLang="en-US" dirty="0"/>
+          </a:p>
+        </p:txBody>
+      </p:sp>
+      <p:pic>
+        <p:nvPicPr>
+          <p:cNvPr id="7" name="图片 6"/>
+          <p:cNvPicPr>
+            <a:picLocks noChangeAspect="1"/>
+          </p:cNvPicPr>
+          <p:nvPr/>
+        </p:nvPicPr>
+        <p:blipFill>
+          <a:blip r:embed="rId2"/>
+          <a:stretch>
+            <a:fillRect/>
+          </a:stretch>
+        </p:blipFill>
+        <p:spPr>
+          <a:xfrm>
+            <a:off x="838200" y="3093684"/>
+            <a:ext cx="10515600" cy="3083279"/>
+          </a:xfrm>
+          <a:prstGeom prst="rect">
+            <a:avLst/>
+          </a:prstGeom>
+        </p:spPr>
+      </p:pic>
+    </p:spTree>
+    <p:extLst>
+      <p:ext uri="{BB962C8B-B14F-4D97-AF65-F5344CB8AC3E}">
+        <p14:creationId xmlns:p14="http://schemas.microsoft.com/office/powerpoint/2010/main" val="1733437536"/>
+      </p:ext>
+    </p:extLst>
+  </p:cSld>
+  <p:clrMapOvr>
+    <a:masterClrMapping/>
+  </p:clrMapOvr>
+  <p:timing>
+    <p:tnLst>
+      <p:par>
+        <p:cTn id="1" dur="indefinite" restart="never" nodeType="tmRoot"/>
+      </p:par>
+    </p:tnLst>
+  </p:timing>
+</p:sld>
+</file>
+
+<file path=ppt/slides/slide11.xml><?xml version="1.0" encoding="utf-8"?>
+<p:sld xmlns:a="http://schemas.openxmlformats.org/drawingml/2006/main" xmlns:r="http://schemas.openxmlformats.org/officeDocument/2006/relationships" xmlns:p="http://schemas.openxmlformats.org/presentationml/2006/main">
+  <p:cSld>
+    <p:spTree>
+      <p:nvGrpSpPr>
+        <p:cNvPr id="1" name=""/>
+        <p:cNvGrpSpPr/>
+        <p:nvPr/>
+      </p:nvGrpSpPr>
+      <p:grpSpPr>
+        <a:xfrm>
+          <a:off x="0" y="0"/>
+          <a:ext cx="0" cy="0"/>
+          <a:chOff x="0" y="0"/>
+          <a:chExt cx="0" cy="0"/>
+        </a:xfrm>
+      </p:grpSpPr>
+      <p:sp>
+        <p:nvSpPr>
+          <p:cNvPr id="2" name="标题 1"/>
+          <p:cNvSpPr>
+            <a:spLocks noGrp="1"/>
+          </p:cNvSpPr>
+          <p:nvPr>
+            <p:ph type="title"/>
+          </p:nvPr>
+        </p:nvSpPr>
+        <p:spPr/>
+        <p:txBody>
+          <a:bodyPr/>
+          <a:lstStyle/>
+          <a:p>
+            <a:r>
+              <a:rPr lang="zh-CN" altLang="en-US" dirty="0" smtClean="0"/>
+              <a:t>匿名内部类？</a:t>
+            </a:r>
+            <a:endParaRPr lang="zh-CN" altLang="en-US" dirty="0"/>
+          </a:p>
+        </p:txBody>
+      </p:sp>
+      <p:pic>
+        <p:nvPicPr>
+          <p:cNvPr id="4" name="内容占位符 3"/>
+          <p:cNvPicPr>
+            <a:picLocks noGrp="1" noChangeAspect="1"/>
+          </p:cNvPicPr>
+          <p:nvPr>
+            <p:ph idx="1"/>
+          </p:nvPr>
+        </p:nvPicPr>
+        <p:blipFill>
+          <a:blip r:embed="rId2"/>
+          <a:stretch>
+            <a:fillRect/>
+          </a:stretch>
+        </p:blipFill>
+        <p:spPr>
+          <a:xfrm>
+            <a:off x="838201" y="1913110"/>
+            <a:ext cx="10515600" cy="3834150"/>
+          </a:xfrm>
+          <a:prstGeom prst="rect">
+            <a:avLst/>
+          </a:prstGeom>
+        </p:spPr>
+      </p:pic>
+    </p:spTree>
+    <p:extLst>
+      <p:ext uri="{BB962C8B-B14F-4D97-AF65-F5344CB8AC3E}">
+        <p14:creationId xmlns:p14="http://schemas.microsoft.com/office/powerpoint/2010/main" val="1580928507"/>
+      </p:ext>
+    </p:extLst>
+  </p:cSld>
+  <p:clrMapOvr>
+    <a:masterClrMapping/>
+  </p:clrMapOvr>
+  <p:timing>
+    <p:tnLst>
+      <p:par>
+        <p:cTn id="1" dur="indefinite" restart="never" nodeType="tmRoot"/>
+      </p:par>
+    </p:tnLst>
+  </p:timing>
+</p:sld>
+</file>
+
+<file path=ppt/slides/slide12.xml><?xml version="1.0" encoding="utf-8"?>
+<p:sld xmlns:a="http://schemas.openxmlformats.org/drawingml/2006/main" xmlns:r="http://schemas.openxmlformats.org/officeDocument/2006/relationships" xmlns:p="http://schemas.openxmlformats.org/presentationml/2006/main">
+  <p:cSld>
+    <p:spTree>
+      <p:nvGrpSpPr>
+        <p:cNvPr id="1" name=""/>
+        <p:cNvGrpSpPr/>
+        <p:nvPr/>
+      </p:nvGrpSpPr>
+      <p:grpSpPr>
+        <a:xfrm>
+          <a:off x="0" y="0"/>
+          <a:ext cx="0" cy="0"/>
+          <a:chOff x="0" y="0"/>
+          <a:chExt cx="0" cy="0"/>
+        </a:xfrm>
+      </p:grpSpPr>
+      <p:sp>
+        <p:nvSpPr>
+          <p:cNvPr id="2" name="标题 1"/>
+          <p:cNvSpPr>
+            <a:spLocks noGrp="1"/>
+          </p:cNvSpPr>
+          <p:nvPr>
+            <p:ph type="title"/>
+          </p:nvPr>
+        </p:nvSpPr>
+        <p:spPr/>
+        <p:txBody>
+          <a:bodyPr/>
+          <a:lstStyle/>
+          <a:p>
+            <a:r>
+              <a:rPr lang="zh-CN" altLang="en-US" dirty="0" smtClean="0"/>
+              <a:t>不是匿名内部类</a:t>
+            </a:r>
+            <a:endParaRPr lang="zh-CN" altLang="en-US" dirty="0"/>
+          </a:p>
+        </p:txBody>
+      </p:sp>
+      <p:pic>
+        <p:nvPicPr>
+          <p:cNvPr id="8" name="内容占位符 7"/>
+          <p:cNvPicPr>
+            <a:picLocks noGrp="1" noChangeAspect="1"/>
+          </p:cNvPicPr>
+          <p:nvPr>
+            <p:ph idx="1"/>
+          </p:nvPr>
+        </p:nvPicPr>
+        <p:blipFill>
+          <a:blip r:embed="rId2"/>
+          <a:stretch>
+            <a:fillRect/>
+          </a:stretch>
+        </p:blipFill>
+        <p:spPr>
+          <a:xfrm>
+            <a:off x="101341" y="1558248"/>
+            <a:ext cx="5778151" cy="4351338"/>
+          </a:xfrm>
+          <a:prstGeom prst="rect">
+            <a:avLst/>
+          </a:prstGeom>
+        </p:spPr>
+      </p:pic>
+      <p:pic>
+        <p:nvPicPr>
+          <p:cNvPr id="9" name="图片 8"/>
+          <p:cNvPicPr>
+            <a:picLocks noChangeAspect="1"/>
+          </p:cNvPicPr>
+          <p:nvPr/>
+        </p:nvPicPr>
+        <p:blipFill>
+          <a:blip r:embed="rId3"/>
+          <a:stretch>
+            <a:fillRect/>
+          </a:stretch>
+        </p:blipFill>
+        <p:spPr>
+          <a:xfrm>
+            <a:off x="5879492" y="1558248"/>
+            <a:ext cx="6211167" cy="3543795"/>
+          </a:xfrm>
+          <a:prstGeom prst="rect">
+            <a:avLst/>
+          </a:prstGeom>
+        </p:spPr>
+      </p:pic>
+    </p:spTree>
+    <p:extLst>
+      <p:ext uri="{BB962C8B-B14F-4D97-AF65-F5344CB8AC3E}">
+        <p14:creationId xmlns:p14="http://schemas.microsoft.com/office/powerpoint/2010/main" val="2492854569"/>
+      </p:ext>
+    </p:extLst>
+  </p:cSld>
+  <p:clrMapOvr>
+    <a:masterClrMapping/>
+  </p:clrMapOvr>
+  <p:timing>
+    <p:tnLst>
+      <p:par>
+        <p:cTn id="1" dur="indefinite" restart="never" nodeType="tmRoot"/>
+      </p:par>
+    </p:tnLst>
+  </p:timing>
+</p:sld>
+</file>
+
+<file path=ppt/slides/slide13.xml><?xml version="1.0" encoding="utf-8"?>
+<p:sld xmlns:a="http://schemas.openxmlformats.org/drawingml/2006/main" xmlns:r="http://schemas.openxmlformats.org/officeDocument/2006/relationships" xmlns:p="http://schemas.openxmlformats.org/presentationml/2006/main">
+  <p:cSld>
+    <p:spTree>
+      <p:nvGrpSpPr>
+        <p:cNvPr id="1" name=""/>
+        <p:cNvGrpSpPr/>
+        <p:nvPr/>
+      </p:nvGrpSpPr>
+      <p:grpSpPr>
+        <a:xfrm>
+          <a:off x="0" y="0"/>
+          <a:ext cx="0" cy="0"/>
+          <a:chOff x="0" y="0"/>
+          <a:chExt cx="0" cy="0"/>
+        </a:xfrm>
+      </p:grpSpPr>
+      <p:sp>
+        <p:nvSpPr>
+          <p:cNvPr id="2" name="标题 1"/>
+          <p:cNvSpPr>
+            <a:spLocks noGrp="1"/>
+          </p:cNvSpPr>
+          <p:nvPr>
+            <p:ph type="title"/>
+          </p:nvPr>
+        </p:nvSpPr>
+        <p:spPr/>
+        <p:txBody>
+          <a:bodyPr/>
+          <a:lstStyle/>
+          <a:p>
+            <a:r>
+              <a:rPr lang="zh-CN" altLang="en-US" dirty="0" smtClean="0"/>
+              <a:t>函数式接口</a:t>
+            </a:r>
+            <a:endParaRPr lang="zh-CN" altLang="en-US" dirty="0"/>
+          </a:p>
+        </p:txBody>
+      </p:sp>
+      <p:sp>
+        <p:nvSpPr>
+          <p:cNvPr id="3" name="内容占位符 2"/>
+          <p:cNvSpPr>
+            <a:spLocks noGrp="1"/>
+          </p:cNvSpPr>
+          <p:nvPr>
+            <p:ph idx="1"/>
+          </p:nvPr>
+        </p:nvSpPr>
+        <p:spPr/>
+        <p:txBody>
+          <a:bodyPr/>
+          <a:lstStyle/>
+          <a:p>
+            <a:r>
+              <a:rPr lang="en-US" altLang="zh-CN" dirty="0"/>
+              <a:t>1. </a:t>
+            </a:r>
+            <a:r>
+              <a:rPr lang="zh-CN" altLang="en-US" dirty="0" smtClean="0"/>
+              <a:t>代码简洁。函数式</a:t>
+            </a:r>
+            <a:r>
+              <a:rPr lang="zh-CN" altLang="en-US" dirty="0"/>
+              <a:t>编程写出的代码简洁且意图明确，</a:t>
+            </a:r>
+            <a:r>
+              <a:rPr lang="zh-CN" altLang="en-US" dirty="0" smtClean="0"/>
+              <a:t>使用</a:t>
+            </a:r>
+            <a:r>
+              <a:rPr lang="en-US" altLang="zh-CN" dirty="0" smtClean="0"/>
+              <a:t>stream</a:t>
+            </a:r>
+            <a:r>
+              <a:rPr lang="zh-CN" altLang="en-US" dirty="0" smtClean="0"/>
+              <a:t>接口</a:t>
+            </a:r>
+            <a:r>
+              <a:rPr lang="zh-CN" altLang="en-US" dirty="0"/>
+              <a:t>让你从此</a:t>
+            </a:r>
+            <a:r>
+              <a:rPr lang="zh-CN" altLang="en-US" dirty="0" smtClean="0"/>
+              <a:t>告别</a:t>
+            </a:r>
+            <a:r>
+              <a:rPr lang="en-US" altLang="zh-CN" dirty="0" smtClean="0"/>
+              <a:t>for</a:t>
+            </a:r>
+            <a:r>
+              <a:rPr lang="zh-CN" altLang="en-US" dirty="0" smtClean="0"/>
+              <a:t>循环</a:t>
+            </a:r>
+            <a:r>
+              <a:rPr lang="zh-CN" altLang="en-US" dirty="0"/>
+              <a:t>。</a:t>
+            </a:r>
+          </a:p>
+          <a:p>
+            <a:r>
+              <a:rPr lang="en-US" altLang="zh-CN" dirty="0"/>
+              <a:t>2. </a:t>
+            </a:r>
+            <a:r>
+              <a:rPr lang="zh-CN" altLang="en-US" dirty="0" smtClean="0"/>
+              <a:t>多</a:t>
+            </a:r>
+            <a:r>
+              <a:rPr lang="zh-CN" altLang="en-US" dirty="0"/>
+              <a:t>核</a:t>
+            </a:r>
+            <a:r>
+              <a:rPr lang="zh-CN" altLang="en-US" dirty="0" smtClean="0"/>
+              <a:t>友好。</a:t>
+            </a:r>
+            <a:r>
+              <a:rPr lang="en-US" altLang="zh-CN" dirty="0" smtClean="0"/>
+              <a:t>Java</a:t>
+            </a:r>
+            <a:r>
+              <a:rPr lang="zh-CN" altLang="en-US" dirty="0"/>
+              <a:t>函数式编程使得编写并行程序从未如此简单，你需要的全部就是调用</a:t>
+            </a:r>
+            <a:r>
+              <a:rPr lang="zh-CN" altLang="en-US" dirty="0" smtClean="0"/>
+              <a:t>一下</a:t>
+            </a:r>
+            <a:r>
+              <a:rPr lang="en-US" altLang="zh-CN" dirty="0" smtClean="0"/>
+              <a:t>parallel()</a:t>
+            </a:r>
+            <a:r>
+              <a:rPr lang="zh-CN" altLang="en-US" dirty="0" smtClean="0"/>
+              <a:t>方法</a:t>
+            </a:r>
+            <a:r>
+              <a:rPr lang="zh-CN" altLang="en-US" dirty="0"/>
+              <a:t>。</a:t>
+            </a:r>
+          </a:p>
+        </p:txBody>
+      </p:sp>
+    </p:spTree>
+    <p:extLst>
+      <p:ext uri="{BB962C8B-B14F-4D97-AF65-F5344CB8AC3E}">
+        <p14:creationId xmlns:p14="http://schemas.microsoft.com/office/powerpoint/2010/main" val="3937675755"/>
+      </p:ext>
+    </p:extLst>
+  </p:cSld>
+  <p:clrMapOvr>
+    <a:masterClrMapping/>
+  </p:clrMapOvr>
+  <p:timing>
+    <p:tnLst>
+      <p:par>
+        <p:cTn id="1" dur="indefinite" restart="never" nodeType="tmRoot"/>
+      </p:par>
+    </p:tnLst>
+  </p:timing>
+</p:sld>
+</file>
+
+<file path=ppt/slides/slide14.xml><?xml version="1.0" encoding="utf-8"?>
+<p:sld xmlns:a="http://schemas.openxmlformats.org/drawingml/2006/main" xmlns:r="http://schemas.openxmlformats.org/officeDocument/2006/relationships" xmlns:p="http://schemas.openxmlformats.org/presentationml/2006/main">
+  <p:cSld>
+    <p:spTree>
+      <p:nvGrpSpPr>
+        <p:cNvPr id="1" name=""/>
+        <p:cNvGrpSpPr/>
+        <p:nvPr/>
+      </p:nvGrpSpPr>
+      <p:grpSpPr>
+        <a:xfrm>
+          <a:off x="0" y="0"/>
+          <a:ext cx="0" cy="0"/>
+          <a:chOff x="0" y="0"/>
+          <a:chExt cx="0" cy="0"/>
+        </a:xfrm>
+      </p:grpSpPr>
+      <p:sp>
+        <p:nvSpPr>
+          <p:cNvPr id="2" name="标题 1"/>
+          <p:cNvSpPr>
+            <a:spLocks noGrp="1"/>
+          </p:cNvSpPr>
+          <p:nvPr>
+            <p:ph type="title"/>
+          </p:nvPr>
+        </p:nvSpPr>
+        <p:spPr/>
+        <p:txBody>
+          <a:bodyPr/>
+          <a:lstStyle/>
+          <a:p>
+            <a:r>
+              <a:rPr lang="zh-CN" altLang="en-US" dirty="0" smtClean="0"/>
+              <a:t>函数式接口与</a:t>
+            </a:r>
+            <a:r>
+              <a:rPr lang="en-US" altLang="zh-CN" dirty="0" smtClean="0"/>
+              <a:t>lambda</a:t>
+            </a:r>
+            <a:r>
+              <a:rPr lang="zh-CN" altLang="en-US" dirty="0" smtClean="0"/>
+              <a:t>表达式</a:t>
+            </a:r>
+            <a:endParaRPr lang="zh-CN" altLang="en-US" dirty="0"/>
+          </a:p>
+        </p:txBody>
+      </p:sp>
+      <p:pic>
+        <p:nvPicPr>
+          <p:cNvPr id="4" name="内容占位符 3"/>
+          <p:cNvPicPr>
+            <a:picLocks noGrp="1" noChangeAspect="1"/>
+          </p:cNvPicPr>
+          <p:nvPr>
+            <p:ph idx="1"/>
+          </p:nvPr>
+        </p:nvPicPr>
+        <p:blipFill>
+          <a:blip r:embed="rId2"/>
+          <a:stretch>
+            <a:fillRect/>
+          </a:stretch>
+        </p:blipFill>
+        <p:spPr>
+          <a:xfrm>
+            <a:off x="1264238" y="1444500"/>
+            <a:ext cx="9663524" cy="5203436"/>
+          </a:xfrm>
+          <a:prstGeom prst="rect">
+            <a:avLst/>
+          </a:prstGeom>
+        </p:spPr>
+      </p:pic>
+    </p:spTree>
+    <p:extLst>
+      <p:ext uri="{BB962C8B-B14F-4D97-AF65-F5344CB8AC3E}">
+        <p14:creationId xmlns:p14="http://schemas.microsoft.com/office/powerpoint/2010/main" val="485118184"/>
+      </p:ext>
+    </p:extLst>
+  </p:cSld>
+  <p:clrMapOvr>
+    <a:masterClrMapping/>
+  </p:clrMapOvr>
+  <p:timing>
+    <p:tnLst>
+      <p:par>
+        <p:cTn id="1" dur="indefinite" restart="never" nodeType="tmRoot"/>
+      </p:par>
+    </p:tnLst>
+  </p:timing>
+</p:sld>
+</file>
+
+<file path=ppt/slides/slide15.xml><?xml version="1.0" encoding="utf-8"?>
+<p:sld xmlns:a="http://schemas.openxmlformats.org/drawingml/2006/main" xmlns:r="http://schemas.openxmlformats.org/officeDocument/2006/relationships" xmlns:p="http://schemas.openxmlformats.org/presentationml/2006/main">
+  <p:cSld>
+    <p:spTree>
+      <p:nvGrpSpPr>
+        <p:cNvPr id="1" name=""/>
+        <p:cNvGrpSpPr/>
+        <p:nvPr/>
+      </p:nvGrpSpPr>
+      <p:grpSpPr>
+        <a:xfrm>
+          <a:off x="0" y="0"/>
+          <a:ext cx="0" cy="0"/>
+          <a:chOff x="0" y="0"/>
+          <a:chExt cx="0" cy="0"/>
+        </a:xfrm>
+      </p:grpSpPr>
+      <p:sp>
+        <p:nvSpPr>
+          <p:cNvPr id="2" name="标题 1"/>
+          <p:cNvSpPr>
+            <a:spLocks noGrp="1"/>
+          </p:cNvSpPr>
+          <p:nvPr>
+            <p:ph type="title"/>
+          </p:nvPr>
+        </p:nvSpPr>
+        <p:spPr/>
+        <p:txBody>
+          <a:bodyPr/>
+          <a:lstStyle/>
+          <a:p>
+            <a:r>
+              <a:rPr lang="zh-CN" altLang="en-US" dirty="0" smtClean="0"/>
+              <a:t>泛型函数式接口</a:t>
+            </a:r>
+            <a:endParaRPr lang="zh-CN" altLang="en-US" dirty="0"/>
+          </a:p>
+        </p:txBody>
+      </p:sp>
+      <p:pic>
+        <p:nvPicPr>
+          <p:cNvPr id="4" name="内容占位符 3"/>
+          <p:cNvPicPr>
+            <a:picLocks noGrp="1" noChangeAspect="1"/>
+          </p:cNvPicPr>
+          <p:nvPr>
+            <p:ph idx="1"/>
+          </p:nvPr>
+        </p:nvPicPr>
+        <p:blipFill>
+          <a:blip r:embed="rId2"/>
+          <a:stretch>
+            <a:fillRect/>
+          </a:stretch>
+        </p:blipFill>
+        <p:spPr>
+          <a:xfrm>
+            <a:off x="838200" y="2240086"/>
+            <a:ext cx="10515600" cy="2720932"/>
+          </a:xfrm>
+          <a:prstGeom prst="rect">
+            <a:avLst/>
+          </a:prstGeom>
+        </p:spPr>
+      </p:pic>
+    </p:spTree>
+    <p:extLst>
+      <p:ext uri="{BB962C8B-B14F-4D97-AF65-F5344CB8AC3E}">
+        <p14:creationId xmlns:p14="http://schemas.microsoft.com/office/powerpoint/2010/main" val="3930998835"/>
+      </p:ext>
+    </p:extLst>
+  </p:cSld>
+  <p:clrMapOvr>
+    <a:masterClrMapping/>
+  </p:clrMapOvr>
+  <p:timing>
+    <p:tnLst>
+      <p:par>
+        <p:cTn id="1" dur="indefinite" restart="never" nodeType="tmRoot"/>
+      </p:par>
+    </p:tnLst>
+  </p:timing>
+</p:sld>
+</file>
+
+<file path=ppt/slides/slide16.xml><?xml version="1.0" encoding="utf-8"?>
+<p:sld xmlns:a="http://schemas.openxmlformats.org/drawingml/2006/main" xmlns:r="http://schemas.openxmlformats.org/officeDocument/2006/relationships" xmlns:p="http://schemas.openxmlformats.org/presentationml/2006/main">
+  <p:cSld>
+    <p:spTree>
+      <p:nvGrpSpPr>
+        <p:cNvPr id="1" name=""/>
+        <p:cNvGrpSpPr/>
+        <p:nvPr/>
+      </p:nvGrpSpPr>
+      <p:grpSpPr>
+        <a:xfrm>
+          <a:off x="0" y="0"/>
+          <a:ext cx="0" cy="0"/>
+          <a:chOff x="0" y="0"/>
+          <a:chExt cx="0" cy="0"/>
+        </a:xfrm>
+      </p:grpSpPr>
+      <p:sp>
+        <p:nvSpPr>
+          <p:cNvPr id="2" name="标题 1"/>
+          <p:cNvSpPr>
+            <a:spLocks noGrp="1"/>
+          </p:cNvSpPr>
+          <p:nvPr>
+            <p:ph type="title"/>
+          </p:nvPr>
+        </p:nvSpPr>
+        <p:spPr/>
+        <p:txBody>
+          <a:bodyPr/>
+          <a:lstStyle/>
+          <a:p>
+            <a:r>
+              <a:rPr lang="zh-CN" altLang="en-US" dirty="0" smtClean="0"/>
+              <a:t>变量捕获</a:t>
+            </a:r>
+            <a:r>
+              <a:rPr lang="en-US" altLang="zh-CN" dirty="0" smtClean="0"/>
+              <a:t>——</a:t>
+            </a:r>
+            <a:r>
+              <a:rPr lang="zh-CN" altLang="en-US" dirty="0" smtClean="0"/>
+              <a:t>闭包</a:t>
+            </a:r>
+            <a:endParaRPr lang="zh-CN" altLang="en-US" dirty="0"/>
+          </a:p>
+        </p:txBody>
+      </p:sp>
+      <p:sp>
+        <p:nvSpPr>
+          <p:cNvPr id="3" name="内容占位符 2"/>
+          <p:cNvSpPr>
+            <a:spLocks noGrp="1"/>
+          </p:cNvSpPr>
+          <p:nvPr>
+            <p:ph idx="1"/>
+          </p:nvPr>
+        </p:nvSpPr>
+        <p:spPr/>
+        <p:txBody>
+          <a:bodyPr/>
+          <a:lstStyle/>
+          <a:p>
+            <a:pPr marL="514350" indent="-514350">
+              <a:buAutoNum type="arabicPeriod"/>
+            </a:pPr>
+            <a:r>
+              <a:rPr lang="en-US" altLang="zh-CN" dirty="0"/>
+              <a:t>C</a:t>
+            </a:r>
+            <a:r>
+              <a:rPr lang="en-US" altLang="zh-CN" dirty="0" smtClean="0"/>
+              <a:t>apture-by-value</a:t>
+            </a:r>
+          </a:p>
+          <a:p>
+            <a:pPr marL="514350" indent="-514350">
+              <a:buAutoNum type="arabicPeriod"/>
+            </a:pPr>
+            <a:r>
+              <a:rPr lang="en-US" altLang="zh-CN" dirty="0" smtClean="0"/>
+              <a:t>Parallel</a:t>
+            </a:r>
+          </a:p>
+          <a:p>
+            <a:pPr marL="514350" indent="-514350">
+              <a:buAutoNum type="arabicPeriod"/>
+            </a:pPr>
+            <a:endParaRPr lang="en-US" altLang="zh-CN" dirty="0"/>
+          </a:p>
+        </p:txBody>
+      </p:sp>
+      <p:pic>
+        <p:nvPicPr>
+          <p:cNvPr id="4" name="图片 3"/>
+          <p:cNvPicPr>
+            <a:picLocks noChangeAspect="1"/>
+          </p:cNvPicPr>
+          <p:nvPr/>
+        </p:nvPicPr>
+        <p:blipFill>
+          <a:blip r:embed="rId2"/>
+          <a:stretch>
+            <a:fillRect/>
+          </a:stretch>
+        </p:blipFill>
+        <p:spPr>
+          <a:xfrm>
+            <a:off x="838200" y="3091529"/>
+            <a:ext cx="10515600" cy="3094730"/>
+          </a:xfrm>
+          <a:prstGeom prst="rect">
+            <a:avLst/>
+          </a:prstGeom>
+        </p:spPr>
+      </p:pic>
+    </p:spTree>
+    <p:extLst>
+      <p:ext uri="{BB962C8B-B14F-4D97-AF65-F5344CB8AC3E}">
+        <p14:creationId xmlns:p14="http://schemas.microsoft.com/office/powerpoint/2010/main" val="773625951"/>
+      </p:ext>
+    </p:extLst>
+  </p:cSld>
+  <p:clrMapOvr>
+    <a:masterClrMapping/>
+  </p:clrMapOvr>
+  <p:timing>
+    <p:tnLst>
+      <p:par>
+        <p:cTn id="1" dur="indefinite" restart="never" nodeType="tmRoot"/>
+      </p:par>
+    </p:tnLst>
+  </p:timing>
+</p:sld>
+</file>
+
+<file path=ppt/slides/slide17.xml><?xml version="1.0" encoding="utf-8"?>
+<p:sld xmlns:a="http://schemas.openxmlformats.org/drawingml/2006/main" xmlns:r="http://schemas.openxmlformats.org/officeDocument/2006/relationships" xmlns:p="http://schemas.openxmlformats.org/presentationml/2006/main">
+  <p:cSld>
+    <p:spTree>
+      <p:nvGrpSpPr>
+        <p:cNvPr id="1" name=""/>
+        <p:cNvGrpSpPr/>
+        <p:nvPr/>
+      </p:nvGrpSpPr>
+      <p:grpSpPr>
+        <a:xfrm>
+          <a:off x="0" y="0"/>
+          <a:ext cx="0" cy="0"/>
+          <a:chOff x="0" y="0"/>
+          <a:chExt cx="0" cy="0"/>
+        </a:xfrm>
+      </p:grpSpPr>
+      <p:sp>
+        <p:nvSpPr>
+          <p:cNvPr id="2" name="标题 1"/>
+          <p:cNvSpPr>
+            <a:spLocks noGrp="1"/>
+          </p:cNvSpPr>
+          <p:nvPr>
+            <p:ph type="title"/>
+          </p:nvPr>
+        </p:nvSpPr>
+        <p:spPr/>
+        <p:txBody>
+          <a:bodyPr/>
+          <a:lstStyle/>
+          <a:p>
+            <a:r>
+              <a:rPr lang="en-US" altLang="zh-CN" dirty="0" smtClean="0"/>
+              <a:t>Lambda in Java</a:t>
+            </a:r>
+            <a:endParaRPr lang="zh-CN" altLang="en-US" dirty="0"/>
+          </a:p>
+        </p:txBody>
+      </p:sp>
+      <p:sp>
+        <p:nvSpPr>
+          <p:cNvPr id="3" name="内容占位符 2"/>
+          <p:cNvSpPr>
+            <a:spLocks noGrp="1"/>
+          </p:cNvSpPr>
+          <p:nvPr>
+            <p:ph idx="1"/>
+          </p:nvPr>
+        </p:nvSpPr>
+        <p:spPr/>
+        <p:txBody>
+          <a:bodyPr/>
+          <a:lstStyle/>
+          <a:p>
+            <a:pPr marL="0" indent="0">
+              <a:buNone/>
+            </a:pPr>
+            <a:r>
+              <a:rPr lang="zh-CN" altLang="en-US" dirty="0"/>
+              <a:t>在</a:t>
+            </a:r>
+            <a:r>
+              <a:rPr lang="en-US" altLang="zh-CN" dirty="0"/>
+              <a:t>Java</a:t>
+            </a:r>
+            <a:r>
+              <a:rPr lang="zh-CN" altLang="en-US" dirty="0"/>
+              <a:t>中，</a:t>
+            </a:r>
+            <a:r>
+              <a:rPr lang="en-US" altLang="zh-CN" dirty="0"/>
+              <a:t>Lambda</a:t>
+            </a:r>
+            <a:r>
+              <a:rPr lang="zh-CN" altLang="en-US" dirty="0"/>
+              <a:t>表达式有其相应的函数式接口，还有类型推断机制。</a:t>
+            </a:r>
+          </a:p>
+        </p:txBody>
+      </p:sp>
+    </p:spTree>
+    <p:extLst>
+      <p:ext uri="{BB962C8B-B14F-4D97-AF65-F5344CB8AC3E}">
+        <p14:creationId xmlns:p14="http://schemas.microsoft.com/office/powerpoint/2010/main" val="2470962292"/>
+      </p:ext>
+    </p:extLst>
+  </p:cSld>
+  <p:clrMapOvr>
+    <a:masterClrMapping/>
+  </p:clrMapOvr>
+  <p:timing>
+    <p:tnLst>
+      <p:par>
+        <p:cTn id="1" dur="indefinite" restart="never" nodeType="tmRoot"/>
+      </p:par>
+    </p:tnLst>
+  </p:timing>
+</p:sld>
+</file>
+
+<file path=ppt/slides/slide18.xml><?xml version="1.0" encoding="utf-8"?>
+<p:sld xmlns:a="http://schemas.openxmlformats.org/drawingml/2006/main" xmlns:r="http://schemas.openxmlformats.org/officeDocument/2006/relationships" xmlns:p="http://schemas.openxmlformats.org/presentationml/2006/main">
+  <p:cSld>
+    <p:spTree>
+      <p:nvGrpSpPr>
+        <p:cNvPr id="1" name=""/>
+        <p:cNvGrpSpPr/>
+        <p:nvPr/>
+      </p:nvGrpSpPr>
+      <p:grpSpPr>
+        <a:xfrm>
+          <a:off x="0" y="0"/>
+          <a:ext cx="0" cy="0"/>
+          <a:chOff x="0" y="0"/>
+          <a:chExt cx="0" cy="0"/>
+        </a:xfrm>
+      </p:grpSpPr>
+      <p:sp>
+        <p:nvSpPr>
+          <p:cNvPr id="2" name="标题 1"/>
+          <p:cNvSpPr>
+            <a:spLocks noGrp="1"/>
+          </p:cNvSpPr>
+          <p:nvPr>
+            <p:ph type="title"/>
+          </p:nvPr>
+        </p:nvSpPr>
+        <p:spPr/>
+        <p:txBody>
+          <a:bodyPr/>
+          <a:lstStyle/>
+          <a:p>
+            <a:r>
+              <a:rPr lang="zh-CN" altLang="en-US" dirty="0"/>
+              <a:t>总结</a:t>
+            </a:r>
+          </a:p>
+        </p:txBody>
+      </p:sp>
+      <p:sp>
+        <p:nvSpPr>
+          <p:cNvPr id="3" name="内容占位符 2"/>
+          <p:cNvSpPr>
+            <a:spLocks noGrp="1"/>
+          </p:cNvSpPr>
+          <p:nvPr>
+            <p:ph idx="1"/>
+          </p:nvPr>
+        </p:nvSpPr>
+        <p:spPr/>
+        <p:txBody>
+          <a:bodyPr/>
+          <a:lstStyle/>
+          <a:p>
+            <a:endParaRPr lang="zh-CN" altLang="en-US"/>
+          </a:p>
+        </p:txBody>
+      </p:sp>
+    </p:spTree>
+    <p:extLst>
+      <p:ext uri="{BB962C8B-B14F-4D97-AF65-F5344CB8AC3E}">
+        <p14:creationId xmlns:p14="http://schemas.microsoft.com/office/powerpoint/2010/main" val="3004334277"/>
+      </p:ext>
+    </p:extLst>
+  </p:cSld>
+  <p:clrMapOvr>
+    <a:masterClrMapping/>
+  </p:clrMapOvr>
+  <p:timing>
+    <p:tnLst>
+      <p:par>
+        <p:cTn id="1" dur="indefinite" restart="never" nodeType="tmRoot"/>
+      </p:par>
+    </p:tnLst>
+  </p:timing>
+</p:sld>
+</file>
+
+<file path=ppt/slides/slide19.xml><?xml version="1.0" encoding="utf-8"?>
+<p:sld xmlns:a="http://schemas.openxmlformats.org/drawingml/2006/main" xmlns:r="http://schemas.openxmlformats.org/officeDocument/2006/relationships" xmlns:p="http://schemas.openxmlformats.org/presentationml/2006/main">
+  <p:cSld>
+    <p:spTree>
+      <p:nvGrpSpPr>
+        <p:cNvPr id="1" name=""/>
+        <p:cNvGrpSpPr/>
+        <p:nvPr/>
+      </p:nvGrpSpPr>
+      <p:grpSpPr>
+        <a:xfrm>
+          <a:off x="0" y="0"/>
+          <a:ext cx="0" cy="0"/>
+          <a:chOff x="0" y="0"/>
+          <a:chExt cx="0" cy="0"/>
+        </a:xfrm>
+      </p:grpSpPr>
+      <p:sp>
+        <p:nvSpPr>
+          <p:cNvPr id="2" name="标题 1"/>
+          <p:cNvSpPr>
+            <a:spLocks noGrp="1"/>
+          </p:cNvSpPr>
+          <p:nvPr>
+            <p:ph type="title"/>
+          </p:nvPr>
+        </p:nvSpPr>
+        <p:spPr/>
+        <p:txBody>
+          <a:bodyPr/>
+          <a:lstStyle/>
+          <a:p>
+            <a:r>
+              <a:rPr lang="zh-CN" altLang="en-US" dirty="0" smtClean="0"/>
+              <a:t>参考资料</a:t>
+            </a:r>
+            <a:endParaRPr lang="zh-CN" altLang="en-US" dirty="0"/>
+          </a:p>
+        </p:txBody>
+      </p:sp>
+      <p:sp>
+        <p:nvSpPr>
+          <p:cNvPr id="3" name="内容占位符 2"/>
+          <p:cNvSpPr>
+            <a:spLocks noGrp="1"/>
+          </p:cNvSpPr>
+          <p:nvPr>
+            <p:ph idx="1"/>
+          </p:nvPr>
+        </p:nvSpPr>
+        <p:spPr/>
+        <p:txBody>
+          <a:bodyPr>
+            <a:normAutofit fontScale="85000" lnSpcReduction="20000"/>
+          </a:bodyPr>
+          <a:lstStyle/>
+          <a:p>
+            <a:pPr marL="0" indent="0">
+              <a:buNone/>
+            </a:pPr>
+            <a:r>
+              <a:rPr lang="en-US" altLang="zh-CN" dirty="0" smtClean="0"/>
+              <a:t>[1]</a:t>
+            </a:r>
+          </a:p>
+          <a:p>
+            <a:pPr marL="0" indent="0">
+              <a:buNone/>
+            </a:pPr>
+            <a:endParaRPr lang="en-US" altLang="zh-CN" dirty="0"/>
+          </a:p>
+          <a:p>
+            <a:pPr marL="0" indent="0">
+              <a:buNone/>
+            </a:pPr>
+            <a:endParaRPr lang="en-US" altLang="zh-CN" dirty="0" smtClean="0"/>
+          </a:p>
+          <a:p>
+            <a:pPr marL="0" indent="0">
+              <a:buNone/>
+            </a:pPr>
+            <a:endParaRPr lang="en-US" altLang="zh-CN" dirty="0" smtClean="0"/>
+          </a:p>
+          <a:p>
+            <a:pPr marL="0" indent="0">
+              <a:buNone/>
+            </a:pPr>
+            <a:endParaRPr lang="en-US" altLang="zh-CN" dirty="0" smtClean="0"/>
+          </a:p>
+          <a:p>
+            <a:pPr marL="0" indent="0">
+              <a:buNone/>
+            </a:pPr>
+            <a:r>
+              <a:rPr lang="en-US" altLang="zh-CN" dirty="0" smtClean="0"/>
+              <a:t>[x] </a:t>
+            </a:r>
+            <a:r>
+              <a:rPr lang="en-US" altLang="zh-CN" dirty="0"/>
+              <a:t>Java 8</a:t>
+            </a:r>
+            <a:r>
+              <a:rPr lang="zh-CN" altLang="en-US" dirty="0"/>
+              <a:t>编程参考官方教程（第</a:t>
+            </a:r>
+            <a:r>
+              <a:rPr lang="en-US" altLang="zh-CN" dirty="0"/>
+              <a:t>9</a:t>
+            </a:r>
+            <a:r>
+              <a:rPr lang="zh-CN" altLang="en-US" dirty="0"/>
+              <a:t>版</a:t>
+            </a:r>
+            <a:r>
+              <a:rPr lang="zh-CN" altLang="en-US" dirty="0" smtClean="0"/>
+              <a:t>）</a:t>
+            </a:r>
+            <a:endParaRPr lang="zh-CN" altLang="en-US" dirty="0"/>
+          </a:p>
+          <a:p>
+            <a:pPr marL="0" indent="0">
+              <a:buNone/>
+            </a:pPr>
+            <a:r>
+              <a:rPr lang="en-US" altLang="zh-CN" dirty="0" smtClean="0"/>
+              <a:t>[x] </a:t>
+            </a:r>
+            <a:r>
+              <a:rPr lang="zh-CN" altLang="en-US" dirty="0" smtClean="0">
+                <a:hlinkClick r:id="rId2"/>
+              </a:rPr>
+              <a:t>深入</a:t>
+            </a:r>
+            <a:r>
+              <a:rPr lang="zh-CN" altLang="en-US" dirty="0">
+                <a:hlinkClick r:id="rId2"/>
+              </a:rPr>
+              <a:t>理解</a:t>
+            </a:r>
+            <a:r>
+              <a:rPr lang="en-US" altLang="zh-CN" dirty="0">
+                <a:hlinkClick r:id="rId2"/>
+              </a:rPr>
+              <a:t>Java</a:t>
+            </a:r>
+            <a:r>
+              <a:rPr lang="zh-CN" altLang="en-US" dirty="0">
+                <a:hlinkClick r:id="rId2"/>
+              </a:rPr>
+              <a:t>函数式编程和</a:t>
+            </a:r>
+            <a:r>
+              <a:rPr lang="en-US" altLang="zh-CN" dirty="0">
+                <a:hlinkClick r:id="rId2"/>
+              </a:rPr>
+              <a:t>Streams </a:t>
+            </a:r>
+            <a:r>
+              <a:rPr lang="en-US" altLang="zh-CN" dirty="0" smtClean="0">
+                <a:hlinkClick r:id="rId2"/>
+              </a:rPr>
+              <a:t>API</a:t>
+            </a:r>
+            <a:endParaRPr lang="en-US" altLang="zh-CN" dirty="0"/>
+          </a:p>
+          <a:p>
+            <a:pPr marL="0" indent="0">
+              <a:buNone/>
+            </a:pPr>
+            <a:r>
+              <a:rPr lang="en-US" altLang="zh-CN" dirty="0" smtClean="0"/>
+              <a:t>[x] </a:t>
+            </a:r>
+            <a:r>
+              <a:rPr lang="en-US" altLang="zh-CN" dirty="0" smtClean="0">
+                <a:hlinkClick r:id="rId3"/>
+              </a:rPr>
+              <a:t>The </a:t>
+            </a:r>
+            <a:r>
+              <a:rPr lang="en-US" altLang="zh-CN" dirty="0">
+                <a:hlinkClick r:id="rId3"/>
+              </a:rPr>
+              <a:t>Java® Language </a:t>
+            </a:r>
+            <a:r>
+              <a:rPr lang="en-US" altLang="zh-CN" dirty="0" smtClean="0">
+                <a:hlinkClick r:id="rId3"/>
+              </a:rPr>
+              <a:t>Specification</a:t>
+            </a:r>
+            <a:endParaRPr lang="en-US" altLang="zh-CN" dirty="0"/>
+          </a:p>
+          <a:p>
+            <a:pPr marL="0" indent="0">
+              <a:buNone/>
+            </a:pPr>
+            <a:r>
+              <a:rPr lang="en-US" altLang="zh-CN" dirty="0" smtClean="0"/>
+              <a:t>[x] </a:t>
+            </a:r>
+            <a:r>
+              <a:rPr lang="en-US" altLang="zh-CN" dirty="0"/>
+              <a:t>Java 8 Lambdas, Richard </a:t>
+            </a:r>
+            <a:r>
+              <a:rPr lang="en-US" altLang="zh-CN" dirty="0" smtClean="0"/>
+              <a:t>Warburton</a:t>
+            </a:r>
+            <a:endParaRPr lang="en-US" altLang="zh-CN" dirty="0"/>
+          </a:p>
+          <a:p>
+            <a:pPr marL="0" indent="0">
+              <a:buNone/>
+            </a:pPr>
+            <a:r>
+              <a:rPr lang="en-US" altLang="zh-CN" dirty="0" smtClean="0"/>
+              <a:t>[x] </a:t>
+            </a:r>
+            <a:r>
+              <a:rPr lang="en-US" altLang="zh-CN" dirty="0"/>
+              <a:t>Beginning Java 8 Language Features, </a:t>
+            </a:r>
+            <a:r>
+              <a:rPr lang="en-US" altLang="zh-CN" dirty="0" err="1"/>
+              <a:t>Kishori</a:t>
+            </a:r>
+            <a:r>
+              <a:rPr lang="en-US" altLang="zh-CN" dirty="0"/>
+              <a:t> </a:t>
+            </a:r>
+            <a:r>
+              <a:rPr lang="en-US" altLang="zh-CN" dirty="0" err="1" smtClean="0"/>
+              <a:t>Sharan</a:t>
+            </a:r>
+            <a:endParaRPr lang="en-US" altLang="zh-CN" dirty="0"/>
+          </a:p>
+          <a:p>
+            <a:pPr marL="0" indent="0">
+              <a:buNone/>
+            </a:pPr>
+            <a:r>
+              <a:rPr lang="en-US" altLang="zh-CN" dirty="0" smtClean="0"/>
+              <a:t>[x] </a:t>
+            </a:r>
+            <a:r>
+              <a:rPr lang="en-US" altLang="zh-CN" dirty="0">
+                <a:hlinkClick r:id="rId4"/>
+              </a:rPr>
+              <a:t>http://cr.openjdk.java.net/~briangoetz/lambda/lambda-state-final.html</a:t>
+            </a:r>
+            <a:endParaRPr lang="zh-CN" altLang="en-US" dirty="0"/>
+          </a:p>
+        </p:txBody>
+      </p:sp>
+    </p:spTree>
+    <p:extLst>
+      <p:ext uri="{BB962C8B-B14F-4D97-AF65-F5344CB8AC3E}">
+        <p14:creationId xmlns:p14="http://schemas.microsoft.com/office/powerpoint/2010/main" val="686133711"/>
+      </p:ext>
+    </p:extLst>
+  </p:cSld>
+  <p:clrMapOvr>
+    <a:masterClrMapping/>
+  </p:clrMapOvr>
+  <p:timing>
+    <p:tnLst>
+      <p:par>
+        <p:cTn id="1" dur="indefinite" restart="never" nodeType="tmRoot"/>
+      </p:par>
+    </p:tnLst>
+  </p:timing>
 </p:sld>
 </file>
 
@@ -3140,7 +4478,11 @@
           <a:bodyPr/>
           <a:lstStyle/>
           <a:p>
-            <a:endParaRPr lang="zh-CN" altLang="en-US"/>
+            <a:r>
+              <a:rPr lang="zh-CN" altLang="en-US" dirty="0" smtClean="0"/>
+              <a:t>目录</a:t>
+            </a:r>
+            <a:endParaRPr lang="zh-CN" altLang="en-US" dirty="0"/>
           </a:p>
         </p:txBody>
       </p:sp>
@@ -3159,7 +4501,41 @@
           <a:bodyPr/>
           <a:lstStyle/>
           <a:p>
-            <a:endParaRPr lang="zh-CN" altLang="en-US"/>
+            <a:r>
+              <a:rPr lang="en-US" altLang="zh-CN" dirty="0" smtClean="0"/>
+              <a:t>Lambda</a:t>
+            </a:r>
+            <a:r>
+              <a:rPr lang="zh-CN" altLang="en-US" dirty="0" smtClean="0"/>
+              <a:t>演算</a:t>
+            </a:r>
+            <a:endParaRPr lang="en-US" altLang="zh-CN" dirty="0" smtClean="0"/>
+          </a:p>
+          <a:p>
+            <a:r>
+              <a:rPr lang="en-US" altLang="zh-CN" dirty="0" smtClean="0"/>
+              <a:t>Lambda in C++</a:t>
+            </a:r>
+          </a:p>
+          <a:p>
+            <a:r>
+              <a:rPr lang="en-US" altLang="zh-CN" dirty="0" smtClean="0"/>
+              <a:t>Lambda in Java</a:t>
+            </a:r>
+          </a:p>
+          <a:p>
+            <a:r>
+              <a:rPr lang="zh-CN" altLang="en-US" dirty="0" smtClean="0"/>
+              <a:t>总结</a:t>
+            </a:r>
+            <a:endParaRPr lang="en-US" altLang="zh-CN" dirty="0" smtClean="0"/>
+          </a:p>
+          <a:p>
+            <a:r>
+              <a:rPr lang="zh-CN" altLang="en-US" dirty="0"/>
+              <a:t>参考资料</a:t>
+            </a:r>
+            <a:endParaRPr lang="zh-CN" altLang="en-US" dirty="0"/>
           </a:p>
         </p:txBody>
       </p:sp>
@@ -3173,6 +4549,13 @@
   <p:clrMapOvr>
     <a:masterClrMapping/>
   </p:clrMapOvr>
+  <p:timing>
+    <p:tnLst>
+      <p:par>
+        <p:cTn id="1" dur="indefinite" restart="never" nodeType="tmRoot"/>
+      </p:par>
+    </p:tnLst>
+  </p:timing>
 </p:sld>
 </file>
 
@@ -3241,6 +4624,13 @@
   <p:clrMapOvr>
     <a:masterClrMapping/>
   </p:clrMapOvr>
+  <p:timing>
+    <p:tnLst>
+      <p:par>
+        <p:cTn id="1" dur="indefinite" restart="never" nodeType="tmRoot"/>
+      </p:par>
+    </p:tnLst>
+  </p:timing>
 </p:sld>
 </file>
 
@@ -3309,6 +4699,13 @@
   <p:clrMapOvr>
     <a:masterClrMapping/>
   </p:clrMapOvr>
+  <p:timing>
+    <p:tnLst>
+      <p:par>
+        <p:cTn id="1" dur="indefinite" restart="never" nodeType="tmRoot"/>
+      </p:par>
+    </p:tnLst>
+  </p:timing>
 </p:sld>
 </file>
 
@@ -3344,7 +4741,15 @@
           <a:bodyPr/>
           <a:lstStyle/>
           <a:p>
-            <a:endParaRPr lang="zh-CN" altLang="en-US"/>
+            <a:r>
+              <a:rPr lang="en-US" altLang="zh-CN" dirty="0" smtClean="0"/>
+              <a:t>Java 8 buff——lambda</a:t>
+            </a:r>
+            <a:r>
+              <a:rPr lang="zh-CN" altLang="en-US" dirty="0" smtClean="0"/>
+              <a:t>表达式</a:t>
+            </a:r>
+            <a:endParaRPr lang="zh-CN" altLang="en-US" dirty="0"/>
           </a:p>
         </p:txBody>
       </p:sp>
@@ -3363,7 +4768,38 @@
           <a:bodyPr/>
           <a:lstStyle/>
           <a:p>
-            <a:endParaRPr lang="zh-CN" altLang="en-US"/>
+            <a:r>
+              <a:rPr lang="zh-CN" altLang="en-US" dirty="0" smtClean="0"/>
+              <a:t>表达能力提升，并流线化了一些常用结构的实现方式；</a:t>
+            </a:r>
+            <a:endParaRPr lang="en-US" altLang="zh-CN" dirty="0" smtClean="0"/>
+          </a:p>
+          <a:p>
+            <a:r>
+              <a:rPr lang="en-US" altLang="zh-CN" dirty="0" smtClean="0"/>
+              <a:t>lambda</a:t>
+            </a:r>
+            <a:r>
+              <a:rPr lang="zh-CN" altLang="en-US" dirty="0" smtClean="0"/>
+              <a:t>表达式的加入也导致</a:t>
+            </a:r>
+            <a:r>
+              <a:rPr lang="en-US" altLang="zh-CN" dirty="0" smtClean="0"/>
+              <a:t>API</a:t>
+            </a:r>
+            <a:r>
+              <a:rPr lang="zh-CN" altLang="en-US" dirty="0" smtClean="0"/>
+              <a:t>库增加的新的功能，包括利用多核环境的并行处理功能变得更加容易，以及支持对数据执行管道操作的新的流</a:t>
+            </a:r>
+            <a:r>
+              <a:rPr lang="en-US" altLang="zh-CN" dirty="0" smtClean="0"/>
+              <a:t>API</a:t>
+            </a:r>
+            <a:r>
+              <a:rPr lang="zh-CN" altLang="en-US" dirty="0" smtClean="0"/>
+              <a:t>。</a:t>
+            </a:r>
+            <a:endParaRPr lang="en-US" altLang="zh-CN" dirty="0" smtClean="0"/>
           </a:p>
         </p:txBody>
       </p:sp>
@@ -3377,6 +4813,448 @@
   <p:clrMapOvr>
     <a:masterClrMapping/>
   </p:clrMapOvr>
+  <p:timing>
+    <p:tnLst>
+      <p:par>
+        <p:cTn id="1" dur="indefinite" restart="never" nodeType="tmRoot"/>
+      </p:par>
+    </p:tnLst>
+  </p:timing>
+</p:sld>
+</file>
+
+<file path=ppt/slides/slide6.xml><?xml version="1.0" encoding="utf-8"?>
+<p:sld xmlns:a="http://schemas.openxmlformats.org/drawingml/2006/main" xmlns:r="http://schemas.openxmlformats.org/officeDocument/2006/relationships" xmlns:p="http://schemas.openxmlformats.org/presentationml/2006/main">
+  <p:cSld>
+    <p:spTree>
+      <p:nvGrpSpPr>
+        <p:cNvPr id="1" name=""/>
+        <p:cNvGrpSpPr/>
+        <p:nvPr/>
+      </p:nvGrpSpPr>
+      <p:grpSpPr>
+        <a:xfrm>
+          <a:off x="0" y="0"/>
+          <a:ext cx="0" cy="0"/>
+          <a:chOff x="0" y="0"/>
+          <a:chExt cx="0" cy="0"/>
+        </a:xfrm>
+      </p:grpSpPr>
+      <p:sp>
+        <p:nvSpPr>
+          <p:cNvPr id="2" name="标题 1"/>
+          <p:cNvSpPr>
+            <a:spLocks noGrp="1"/>
+          </p:cNvSpPr>
+          <p:nvPr>
+            <p:ph type="title"/>
+          </p:nvPr>
+        </p:nvSpPr>
+        <p:spPr/>
+        <p:txBody>
+          <a:bodyPr/>
+          <a:lstStyle/>
+          <a:p>
+            <a:r>
+              <a:rPr lang="zh-CN" altLang="en-US" dirty="0" smtClean="0"/>
+              <a:t>语法</a:t>
+            </a:r>
+            <a:endParaRPr lang="zh-CN" altLang="en-US" dirty="0"/>
+          </a:p>
+        </p:txBody>
+      </p:sp>
+      <p:sp>
+        <p:nvSpPr>
+          <p:cNvPr id="3" name="内容占位符 2"/>
+          <p:cNvSpPr>
+            <a:spLocks noGrp="1"/>
+          </p:cNvSpPr>
+          <p:nvPr>
+            <p:ph idx="1"/>
+          </p:nvPr>
+        </p:nvSpPr>
+        <p:spPr/>
+        <p:txBody>
+          <a:bodyPr/>
+          <a:lstStyle/>
+          <a:p>
+            <a:r>
+              <a:rPr lang="zh-CN" altLang="en-US" dirty="0" smtClean="0"/>
+              <a:t>操作符</a:t>
+            </a:r>
+            <a:r>
+              <a:rPr lang="zh-CN" altLang="en-US" dirty="0"/>
+              <a:t>：</a:t>
+            </a:r>
+            <a:r>
+              <a:rPr lang="en-US" altLang="zh-CN" b="1" dirty="0" smtClean="0"/>
+              <a:t>-&gt;</a:t>
+            </a:r>
+          </a:p>
+          <a:p>
+            <a:r>
+              <a:rPr lang="zh-CN" altLang="en-US" dirty="0" smtClean="0"/>
+              <a:t>用法：</a:t>
+            </a:r>
+            <a:endParaRPr lang="en-US" altLang="zh-CN" dirty="0" smtClean="0"/>
+          </a:p>
+          <a:p>
+            <a:endParaRPr lang="en-US" altLang="zh-CN" dirty="0"/>
+          </a:p>
+          <a:p>
+            <a:endParaRPr lang="en-US" altLang="zh-CN" dirty="0" smtClean="0"/>
+          </a:p>
+          <a:p>
+            <a:endParaRPr lang="en-US" altLang="zh-CN" dirty="0"/>
+          </a:p>
+          <a:p>
+            <a:r>
+              <a:rPr lang="zh-CN" altLang="en-US" dirty="0" smtClean="0"/>
+              <a:t>参数 </a:t>
+            </a:r>
+            <a:r>
+              <a:rPr lang="en-US" altLang="zh-CN" dirty="0" smtClean="0"/>
+              <a:t>+ </a:t>
+            </a:r>
+            <a:r>
+              <a:rPr lang="zh-CN" altLang="en-US" dirty="0" smtClean="0"/>
+              <a:t>操作符</a:t>
+            </a:r>
+            <a:r>
+              <a:rPr lang="en-US" altLang="zh-CN" dirty="0" smtClean="0"/>
+              <a:t> + lambda</a:t>
+            </a:r>
+            <a:r>
+              <a:rPr lang="zh-CN" altLang="en-US" dirty="0" smtClean="0"/>
+              <a:t>体</a:t>
+            </a:r>
+            <a:endParaRPr lang="en-US" altLang="zh-CN" dirty="0"/>
+          </a:p>
+        </p:txBody>
+      </p:sp>
+      <p:pic>
+        <p:nvPicPr>
+          <p:cNvPr id="5" name="图片 4"/>
+          <p:cNvPicPr>
+            <a:picLocks noChangeAspect="1"/>
+          </p:cNvPicPr>
+          <p:nvPr/>
+        </p:nvPicPr>
+        <p:blipFill>
+          <a:blip r:embed="rId2"/>
+          <a:stretch>
+            <a:fillRect/>
+          </a:stretch>
+        </p:blipFill>
+        <p:spPr>
+          <a:xfrm>
+            <a:off x="838200" y="2737855"/>
+            <a:ext cx="10295238" cy="1592372"/>
+          </a:xfrm>
+          <a:prstGeom prst="rect">
+            <a:avLst/>
+          </a:prstGeom>
+        </p:spPr>
+      </p:pic>
+    </p:spTree>
+    <p:extLst>
+      <p:ext uri="{BB962C8B-B14F-4D97-AF65-F5344CB8AC3E}">
+        <p14:creationId xmlns:p14="http://schemas.microsoft.com/office/powerpoint/2010/main" val="4190687484"/>
+      </p:ext>
+    </p:extLst>
+  </p:cSld>
+  <p:clrMapOvr>
+    <a:masterClrMapping/>
+  </p:clrMapOvr>
+  <p:timing>
+    <p:tnLst>
+      <p:par>
+        <p:cTn id="1" dur="indefinite" restart="never" nodeType="tmRoot"/>
+      </p:par>
+    </p:tnLst>
+  </p:timing>
+</p:sld>
+</file>
+
+<file path=ppt/slides/slide7.xml><?xml version="1.0" encoding="utf-8"?>
+<p:sld xmlns:a="http://schemas.openxmlformats.org/drawingml/2006/main" xmlns:r="http://schemas.openxmlformats.org/officeDocument/2006/relationships" xmlns:p="http://schemas.openxmlformats.org/presentationml/2006/main">
+  <p:cSld>
+    <p:spTree>
+      <p:nvGrpSpPr>
+        <p:cNvPr id="1" name=""/>
+        <p:cNvGrpSpPr/>
+        <p:nvPr/>
+      </p:nvGrpSpPr>
+      <p:grpSpPr>
+        <a:xfrm>
+          <a:off x="0" y="0"/>
+          <a:ext cx="0" cy="0"/>
+          <a:chOff x="0" y="0"/>
+          <a:chExt cx="0" cy="0"/>
+        </a:xfrm>
+      </p:grpSpPr>
+      <p:sp>
+        <p:nvSpPr>
+          <p:cNvPr id="2" name="标题 1"/>
+          <p:cNvSpPr>
+            <a:spLocks noGrp="1"/>
+          </p:cNvSpPr>
+          <p:nvPr>
+            <p:ph type="title"/>
+          </p:nvPr>
+        </p:nvSpPr>
+        <p:spPr/>
+        <p:txBody>
+          <a:bodyPr/>
+          <a:lstStyle/>
+          <a:p>
+            <a:r>
+              <a:rPr lang="zh-CN" altLang="en-US" dirty="0" smtClean="0"/>
+              <a:t>语法</a:t>
+            </a:r>
+            <a:r>
+              <a:rPr lang="en-US" altLang="zh-CN" dirty="0" smtClean="0"/>
+              <a:t>——</a:t>
+            </a:r>
+            <a:r>
+              <a:rPr lang="zh-CN" altLang="en-US" dirty="0" smtClean="0"/>
+              <a:t>表达式体</a:t>
+            </a:r>
+            <a:endParaRPr lang="zh-CN" altLang="en-US" dirty="0"/>
+          </a:p>
+        </p:txBody>
+      </p:sp>
+      <p:pic>
+        <p:nvPicPr>
+          <p:cNvPr id="4" name="内容占位符 3"/>
+          <p:cNvPicPr>
+            <a:picLocks noGrp="1" noChangeAspect="1"/>
+          </p:cNvPicPr>
+          <p:nvPr>
+            <p:ph idx="1"/>
+          </p:nvPr>
+        </p:nvPicPr>
+        <p:blipFill>
+          <a:blip r:embed="rId2"/>
+          <a:stretch>
+            <a:fillRect/>
+          </a:stretch>
+        </p:blipFill>
+        <p:spPr>
+          <a:xfrm>
+            <a:off x="838200" y="1690688"/>
+            <a:ext cx="10515600" cy="3819421"/>
+          </a:xfrm>
+          <a:prstGeom prst="rect">
+            <a:avLst/>
+          </a:prstGeom>
+        </p:spPr>
+      </p:pic>
+    </p:spTree>
+    <p:extLst>
+      <p:ext uri="{BB962C8B-B14F-4D97-AF65-F5344CB8AC3E}">
+        <p14:creationId xmlns:p14="http://schemas.microsoft.com/office/powerpoint/2010/main" val="1520498894"/>
+      </p:ext>
+    </p:extLst>
+  </p:cSld>
+  <p:clrMapOvr>
+    <a:masterClrMapping/>
+  </p:clrMapOvr>
+  <p:timing>
+    <p:tnLst>
+      <p:par>
+        <p:cTn id="1" dur="indefinite" restart="never" nodeType="tmRoot"/>
+      </p:par>
+    </p:tnLst>
+  </p:timing>
+</p:sld>
+</file>
+
+<file path=ppt/slides/slide8.xml><?xml version="1.0" encoding="utf-8"?>
+<p:sld xmlns:a="http://schemas.openxmlformats.org/drawingml/2006/main" xmlns:r="http://schemas.openxmlformats.org/officeDocument/2006/relationships" xmlns:p="http://schemas.openxmlformats.org/presentationml/2006/main">
+  <p:cSld>
+    <p:spTree>
+      <p:nvGrpSpPr>
+        <p:cNvPr id="1" name=""/>
+        <p:cNvGrpSpPr/>
+        <p:nvPr/>
+      </p:nvGrpSpPr>
+      <p:grpSpPr>
+        <a:xfrm>
+          <a:off x="0" y="0"/>
+          <a:ext cx="0" cy="0"/>
+          <a:chOff x="0" y="0"/>
+          <a:chExt cx="0" cy="0"/>
+        </a:xfrm>
+      </p:grpSpPr>
+      <p:sp>
+        <p:nvSpPr>
+          <p:cNvPr id="2" name="标题 1"/>
+          <p:cNvSpPr>
+            <a:spLocks noGrp="1"/>
+          </p:cNvSpPr>
+          <p:nvPr>
+            <p:ph type="title"/>
+          </p:nvPr>
+        </p:nvSpPr>
+        <p:spPr/>
+        <p:txBody>
+          <a:bodyPr/>
+          <a:lstStyle/>
+          <a:p>
+            <a:r>
+              <a:rPr lang="zh-CN" altLang="en-US" dirty="0" smtClean="0"/>
+              <a:t>语法</a:t>
+            </a:r>
+            <a:r>
+              <a:rPr lang="en-US" altLang="zh-CN" dirty="0" smtClean="0"/>
+              <a:t>——</a:t>
+            </a:r>
+            <a:r>
+              <a:rPr lang="zh-CN" altLang="en-US" dirty="0" smtClean="0"/>
+              <a:t>作为参数传递</a:t>
+            </a:r>
+            <a:endParaRPr lang="zh-CN" altLang="en-US" dirty="0"/>
+          </a:p>
+        </p:txBody>
+      </p:sp>
+      <p:pic>
+        <p:nvPicPr>
+          <p:cNvPr id="4" name="内容占位符 3"/>
+          <p:cNvPicPr>
+            <a:picLocks noGrp="1" noChangeAspect="1"/>
+          </p:cNvPicPr>
+          <p:nvPr>
+            <p:ph idx="1"/>
+          </p:nvPr>
+        </p:nvPicPr>
+        <p:blipFill>
+          <a:blip r:embed="rId2"/>
+          <a:stretch>
+            <a:fillRect/>
+          </a:stretch>
+        </p:blipFill>
+        <p:spPr>
+          <a:xfrm>
+            <a:off x="838201" y="1913110"/>
+            <a:ext cx="10515600" cy="3834150"/>
+          </a:xfrm>
+          <a:prstGeom prst="rect">
+            <a:avLst/>
+          </a:prstGeom>
+        </p:spPr>
+      </p:pic>
+    </p:spTree>
+    <p:extLst>
+      <p:ext uri="{BB962C8B-B14F-4D97-AF65-F5344CB8AC3E}">
+        <p14:creationId xmlns:p14="http://schemas.microsoft.com/office/powerpoint/2010/main" val="2993881800"/>
+      </p:ext>
+    </p:extLst>
+  </p:cSld>
+  <p:clrMapOvr>
+    <a:masterClrMapping/>
+  </p:clrMapOvr>
+  <p:timing>
+    <p:tnLst>
+      <p:par>
+        <p:cTn id="1" dur="indefinite" restart="never" nodeType="tmRoot"/>
+      </p:par>
+    </p:tnLst>
+  </p:timing>
+</p:sld>
+</file>
+
+<file path=ppt/slides/slide9.xml><?xml version="1.0" encoding="utf-8"?>
+<p:sld xmlns:a="http://schemas.openxmlformats.org/drawingml/2006/main" xmlns:r="http://schemas.openxmlformats.org/officeDocument/2006/relationships" xmlns:p="http://schemas.openxmlformats.org/presentationml/2006/main">
+  <p:cSld>
+    <p:spTree>
+      <p:nvGrpSpPr>
+        <p:cNvPr id="1" name=""/>
+        <p:cNvGrpSpPr/>
+        <p:nvPr/>
+      </p:nvGrpSpPr>
+      <p:grpSpPr>
+        <a:xfrm>
+          <a:off x="0" y="0"/>
+          <a:ext cx="0" cy="0"/>
+          <a:chOff x="0" y="0"/>
+          <a:chExt cx="0" cy="0"/>
+        </a:xfrm>
+      </p:grpSpPr>
+      <p:sp>
+        <p:nvSpPr>
+          <p:cNvPr id="2" name="标题 1"/>
+          <p:cNvSpPr>
+            <a:spLocks noGrp="1"/>
+          </p:cNvSpPr>
+          <p:nvPr>
+            <p:ph type="title"/>
+          </p:nvPr>
+        </p:nvSpPr>
+        <p:spPr/>
+        <p:txBody>
+          <a:bodyPr/>
+          <a:lstStyle/>
+          <a:p>
+            <a:r>
+              <a:rPr lang="zh-CN" altLang="en-US" dirty="0" smtClean="0"/>
+              <a:t>语法</a:t>
+            </a:r>
+            <a:r>
+              <a:rPr lang="en-US" altLang="zh-CN" dirty="0" smtClean="0"/>
+              <a:t>——</a:t>
+            </a:r>
+            <a:r>
+              <a:rPr lang="zh-CN" altLang="en-US" dirty="0" smtClean="0"/>
+              <a:t>块体</a:t>
+            </a:r>
+            <a:endParaRPr lang="zh-CN" altLang="en-US" dirty="0"/>
+          </a:p>
+        </p:txBody>
+      </p:sp>
+      <p:pic>
+        <p:nvPicPr>
+          <p:cNvPr id="4" name="内容占位符 3"/>
+          <p:cNvPicPr>
+            <a:picLocks noGrp="1" noChangeAspect="1"/>
+          </p:cNvPicPr>
+          <p:nvPr>
+            <p:ph idx="1"/>
+          </p:nvPr>
+        </p:nvPicPr>
+        <p:blipFill>
+          <a:blip r:embed="rId2"/>
+          <a:stretch>
+            <a:fillRect/>
+          </a:stretch>
+        </p:blipFill>
+        <p:spPr>
+          <a:xfrm>
+            <a:off x="838200" y="2417630"/>
+            <a:ext cx="10515600" cy="1596695"/>
+          </a:xfrm>
+          <a:prstGeom prst="rect">
+            <a:avLst/>
+          </a:prstGeom>
+        </p:spPr>
+      </p:pic>
+    </p:spTree>
+    <p:extLst>
+      <p:ext uri="{BB962C8B-B14F-4D97-AF65-F5344CB8AC3E}">
+        <p14:creationId xmlns:p14="http://schemas.microsoft.com/office/powerpoint/2010/main" val="2503415632"/>
+      </p:ext>
+    </p:extLst>
+  </p:cSld>
+  <p:clrMapOvr>
+    <a:masterClrMapping/>
+  </p:clrMapOvr>
+  <p:timing>
+    <p:tnLst>
+      <p:par>
+        <p:cTn id="1" dur="indefinite" restart="never" nodeType="tmRoot"/>
+      </p:par>
+    </p:tnLst>
+  </p:timing>
 </p:sld>
 </file>
 
@@ -3421,76 +5299,16 @@
         <a:srgbClr val="954F72"/>
       </a:folHlink>
     </a:clrScheme>
-    <a:fontScheme name="Office">
+    <a:fontScheme name="Arial+Microsoft Yahei">
       <a:majorFont>
-        <a:latin typeface="等线 Light" panose="020F0302020204030204"/>
-        <a:ea typeface=""/>
+        <a:latin typeface="Arial"/>
+        <a:ea typeface="微软雅黑"/>
         <a:cs typeface=""/>
-        <a:font script="Jpan" typeface="游ゴシック Light"/>
-        <a:font script="Hang" typeface="맑은 고딕"/>
-        <a:font script="Hans" typeface="等线 Light"/>
-        <a:font script="Hant" typeface="新細明體"/>
-        <a:font script="Arab" typeface="Times New Roman"/>
-        <a:font script="Hebr" typeface="Times New Roman"/>
-        <a:font script="Thai" typeface="Angsana New"/>
-        <a:font script="Ethi" typeface="Nyala"/>
-        <a:font script="Beng" typeface="Vrinda"/>
-        <a:font script="Gujr" typeface="Shruti"/>
-        <a:font script="Khmr" typeface="MoolBoran"/>
-        <a:font script="Knda" typeface="Tunga"/>
-        <a:font script="Guru" typeface="Raavi"/>
-        <a:font script="Cans" typeface="Euphemia"/>
-        <a:font script="Cher" typeface="Plantagenet Cherokee"/>
-        <a:font script="Yiii" typeface="Microsoft Yi Baiti"/>
-        <a:font script="Tibt" typeface="Microsoft Himalaya"/>
-        <a:font script="Thaa" typeface="MV Boli"/>
-        <a:font script="Deva" typeface="Mangal"/>
-        <a:font script="Telu" typeface="Gautami"/>
-        <a:font script="Taml" typeface="Latha"/>
-        <a:font script="Syrc" typeface="Estrangelo Edessa"/>
-        <a:font script="Orya" typeface="Kalinga"/>
-        <a:font script="Mlym" typeface="Kartika"/>
-        <a:font script="Laoo" typeface="DokChampa"/>
-        <a:font script="Sinh" typeface="Iskoola Pota"/>
-        <a:font script="Mong" typeface="Mongolian Baiti"/>
-        <a:font script="Viet" typeface="Times New Roman"/>
-        <a:font script="Uigh" typeface="Microsoft Uighur"/>
-        <a:font script="Geor" typeface="Sylfaen"/>
       </a:majorFont>
       <a:minorFont>
-        <a:latin typeface="等线" panose="020F0502020204030204"/>
-        <a:ea typeface=""/>
+        <a:latin typeface="Arial"/>
+        <a:ea typeface="微软雅黑"/>
         <a:cs typeface=""/>
-        <a:font script="Jpan" typeface="游ゴシック"/>
-        <a:font script="Hang" typeface="맑은 고딕"/>
-        <a:font script="Hans" typeface="等线"/>
-        <a:font script="Hant" typeface="新細明體"/>
-        <a:font script="Arab" typeface="Arial"/>
-        <a:font script="Hebr" typeface="Arial"/>
-        <a:font script="Thai" typeface="Cordia New"/>
-        <a:font script="Ethi" typeface="Nyala"/>
-        <a:font script="Beng" typeface="Vrinda"/>
-        <a:font script="Gujr" typeface="Shruti"/>
-        <a:font script="Khmr" typeface="DaunPenh"/>
-        <a:font script="Knda" typeface="Tunga"/>
-        <a:font script="Guru" typeface="Raavi"/>
-        <a:font script="Cans" typeface="Euphemia"/>
-        <a:font script="Cher" typeface="Plantagenet Cherokee"/>
-        <a:font script="Yiii" typeface="Microsoft Yi Baiti"/>
-        <a:font script="Tibt" typeface="Microsoft Himalaya"/>
-        <a:font script="Thaa" typeface="MV Boli"/>
-        <a:font script="Deva" typeface="Mangal"/>
-        <a:font script="Telu" typeface="Gautami"/>
-        <a:font script="Taml" typeface="Latha"/>
-        <a:font script="Syrc" typeface="Estrangelo Edessa"/>
-        <a:font script="Orya" typeface="Kalinga"/>
-        <a:font script="Mlym" typeface="Kartika"/>
-        <a:font script="Laoo" typeface="DokChampa"/>
-        <a:font script="Sinh" typeface="Iskoola Pota"/>
-        <a:font script="Mong" typeface="Mongolian Baiti"/>
-        <a:font script="Viet" typeface="Arial"/>
-        <a:font script="Uigh" typeface="Microsoft Uighur"/>
-        <a:font script="Geor" typeface="Sylfaen"/>
       </a:minorFont>
     </a:fontScheme>
     <a:fmtScheme name="Office">

--- a/lambda-ppt.pptx
+++ b/lambda-ppt.pptx
@@ -173,6 +173,82 @@
 </p:presentation>
 </file>
 
+<file path=ppt/ink/ink1.xml><?xml version="1.0" encoding="utf-8"?>
+<inkml:ink xmlns:inkml="http://www.w3.org/2003/InkML">
+  <inkml:definitions>
+    <inkml:context xml:id="ctx0">
+      <inkml:inkSource xml:id="inkSrc0">
+        <inkml:traceFormat>
+          <inkml:channel name="X" type="integer" min="-2160" max="1920" units="cm"/>
+          <inkml:channel name="Y" type="integer" max="1440" units="cm"/>
+          <inkml:channel name="T" type="integer" max="2.14748E9" units="dev"/>
+        </inkml:traceFormat>
+        <inkml:channelProperties>
+          <inkml:channelProperty channel="X" name="resolution" value="77.41936" units="1/cm"/>
+          <inkml:channelProperty channel="Y" name="resolution" value="48.64865" units="1/cm"/>
+          <inkml:channelProperty channel="T" name="resolution" value="1" units="1/dev"/>
+        </inkml:channelProperties>
+      </inkml:inkSource>
+      <inkml:timestamp xml:id="ts0" timeString="2020-05-23T16:37:43.648"/>
+    </inkml:context>
+    <inkml:brush xml:id="br0">
+      <inkml:brushProperty name="width" value="0.06667" units="cm"/>
+      <inkml:brushProperty name="height" value="0.06667" units="cm"/>
+      <inkml:brushProperty name="color" value="#FF0000"/>
+      <inkml:brushProperty name="fitToCurve" value="1"/>
+    </inkml:brush>
+  </inkml:definitions>
+  <inkml:traceGroup>
+    <inkml:annotationXML>
+      <emma:emma xmlns:emma="http://www.w3.org/2003/04/emma" version="1.0">
+        <emma:interpretation id="{952C9551-184D-48CD-94B7-ABCFAA3F1BE4}" emma:medium="tactile" emma:mode="ink">
+          <msink:context xmlns:msink="http://schemas.microsoft.com/ink/2010/main" type="inkDrawing" rotatedBoundingBox="3056,7806 27694,5782 28066,10308 3428,12332" hotPoints="23783,7180 23973,12087 4676,12836 4486,7929" semanticType="enclosure" shapeName="Rectangle"/>
+        </emma:interpretation>
+      </emma:emma>
+    </inkml:annotationXML>
+    <inkml:trace contextRef="#ctx0" brushRef="#br0">10609 19 0,'0'20'47,"0"18"-47,0 1 16,0-20-16,-19 19 0,19-18 0,-20 37 0,1-18 16,19 19-16,0-39 0,0 38 0,0-37 15,0 18-15,0 20 0,0-39 16,0 20-16,0-1 0,0-19 0,0 20 15,0-20-15,0 0 0,0 20 0,0-20 0,0 0 0,0 20 32,0-20-32,0 0 0,0 1 0,0-1 15,0 0 1,0 0-16,0 1 0,0-1 0,19-19 16,-19 19-16,0 0 15,0 0-15,0 1 0,0-1 16,20-19-1,-20 19 1,0 0-16,0 1 16,19-20 62,0 19-63,-19 0 142,0 0-126,0 1-31,0-1 16,-19-19-16,0 19 15,19 0 1,-20 1-16,1-20 0,19 19 31,-19-19-31,19 19 0,-19-19 0,-1 0 0,1 0 31,0 0-31,0 0 0,-1 0 0,1 0 0,0 0 32,0 0-32,-1 0 0,1 0 0,0 0 0,0 0 0,-1 0 15,-18 0 1,0 0-16,-1 0 0,20 0 15,0 0-15,-20 0 0,20 0 16,-20 0-16,20 0 0,0 0 0,-20 0 16,20 0-16,-39 0 0,20 0 0,-1 0 0,-18 0 0,-1 0 0,39 0 15,-39 0 1,20 0-16,-20 0 0,0 0 0,-19 0 0,39 0 0,-39 0 16,0 0-1,38 0-15,-19 0 0,-19 0 0,20-19 0,18 19 0,-18-19 0,18 19 16,1 0-1,-20 0-15,19 0 0,1-20 0,-1 20 0,1-19 0,-1 19 0,1 0 16,-1 0 0,20 0-16,-19 0 0,18 0 0,-18 0 0,0 0 0,18 0 15,1 0-15,0 0 16,0 0-16,-20 0 0,20 0 0,0 0 0,-1 0 16,-18 0-16,19 0 0,-1 0 15,-18 0-15,19 0 0,-1 0 0,-18 0 16,-1 0-16,1 0 0,-1 0 15,20 0-15,0 0 0,-20 0 0,1 0 0,0 0 32,-1 0-32,20 0 0,-20 0 0,1 0 15,-1 0 1,20 0-16,-19 0 0,18 0 0,-18 0 16,-1-19-1,1 19-15,19 0 0,-1 0 0,1 0 16,0 0-16,0 0 0,-20 0 15,20 0-15,0 0 0,-1 0 0,-18 0 16,19 0-16,0 0 0,-20 0 0,1 0 0,-1 0 0,1 0 31,18 0-31,-18 0 0,-1 0 0,1 0 0,19 0 0,-1 0 32,-18 0-32,19 0 0,-20 0 0,20 0 0,-20 0 0,1 0 0,19 0 15,-20 0 1,20 0-16,-19 0 0,-1 0 0,20 0 0,-20 0 0,20 0 15,0 0-15,-20 0 16,1 0-16,19 0 0,-20 0 0,20 0 16,0 0-16,-20 0 0,1 0 15,-1 0-15,1 0 0,-1-19 16,1 19-16,18 0 0,-18-20 0,0 20 0,18-19 0,-18 19 0,19 0 31,-20 0-31,20 0 0,0 0 0,-20 0 0,20 0 0,0 0 0,-1 0 16,1 0-1,0 0-15,-20 0 0,20 0 0,0 0 0,0 0 0,-20 0 0,1 0 16,18 0 0,1 0-16,-19 0 0,18 0 0,-18 0 0,19 0 0,-20 0 15,1 0-15,19 0 16,-20 0-16,20 0 0,-20 0 0,1 0 0,19 0 16,-1 0-16,1 0 0,-19 0 15,-1 0-15,20 0 0,-20 0 0,20 0 16,0 0-16,-20 0 0,1 0 0,19-19 0,-1 19 0,-18 0 31,19 0-31,0 0 0,-20-19 0,20 19 0,0 0 0,-20 0 31,20 0-31,0 0 0,-20 0 0,20 0 16,-20 0-16,1 0 16,19 0-16,-20 0 0,20 0 15,-20 0-15,20 0 16,-19 0-16,18 0 0,1 0 0,0 0 15,-20 0-15,20 0 0,0 0 16,-19 0-16,-1 0 0,1 0 16,-1 0-16,20 0 0,0 0 0,-20 0 0,1 0 31,18 0-31,1 0 0,-19 0 0,18 0 0,-18 0 0,19 0 31,-20 0-31,20 0 0,0 0 0,-1 0 0,1 0 16,0 0-16,0 0 15,-20 0-15,1 0 0,19 0 0,-1 0 16,1 0-16,0 0 0,0 0 16,-1 0-16,1 0 0,-19 0 0,18 0 0,1 0 15,-19 0-15,18 0 16,-18 0-16,19 0 0,-20 0 0,1 0 0,-1 0 16,20 0-16,-20 0 15,1 0-15,19 0 0,-20 19 0,1-19 16,19 0-16,-20 0 0,1 19 0,18-19 0,1 0 31,0 0-31,19 19 0,-19-19 31,-1 0 1,1 0-17,0 0-15,0 20 0,-1-1 16,1 0-16,0-19 15,0 0 1,-20 0-16,20 0 0,0 0 16,-1 19-16,1-19 0,-19 20 0,38-1 0,-20-19 0,1 0 0,-19 19 31,18-19-31,1 19 0,0-19 0,0 20 0,0-20 16,-1 19-16,1-19 15,0 19-15,0-19 0,-1 0 0,1 0 16,0 19-16,19 1 15,-19-20-15,-1 0 0,1 19 16,0-19-16,0 0 31,-1 0-15,1 0-16,0 0 16,0 19-16,-1 0 0,1-19 31,0 20-31,0-20 31,19 19-31,-20-19 31,20 19-15,0 0 78,0 1-79,0-1 1,0 0-16,0 0 0,0 0 0,0 1 0,20-1 16,-20 0-16,0 0 15,19 1-15,-19-1 0,0 19 0,0 1 16,0-20-16,19 0 0,-19 1 15,0-1-15,0 0 0,0 0 16,0 1-16,0-1 0,0 0 16,19 0-16,-19 1 0,0-1 0,0 0 15,0 0-15,0 1 0,0-1 0,0 19 16,0-18-16,0 18 0,20-38 16,-20 19-16,0 0 0,0 20 0,19-20 0,0 0 15,-19 1 1,0-1-16,0 19 0,0-18 0,0-1 15,0 0-15,0 20 16,0-20-16,0 0 0,0 0 0,0 1 0,0 18 16,0-19-16,0 1 15,0-1-15,0 0 0,0 20 0,0-20 16,0 0-16,0 20 0,0-20 0,0 0 16,0 19-16,0 1 0,0-20 0,0 0 0,0 1 31,0-1-31,0 0 0,0 0 15,0 1 1,-19-20-16,19 19 0,-19-19 0,19 19 0,0 0 16,-20-19-16,20 20 15,-19-1-15,19 0 0,-19-19 0,0 0 16,19 19-16,-20 1 0,1-20 16,0 19-16,19 0 0,-19 0 0,-1-19 15,20 20-15,-19-1 0,0-19 0,0 19 0,19 0 0,-20-19 0,1 20 31,19-1-31,-19-19 0,0 19 16,0-19-16,-1 0 0,1 19 0,19 1 16,-19-20-16,0 0 0,-1 19 0,-18 0 0,19 0 15,-1-19 1,1 0-16,-19 19 0,18-19 0,1 20 16,-19-20-1,-1 19-15,20-19 0,0 0 16,-20 19-16,20-19 15,-20 0-15,20 19 0,-19-19 0,-1 20 16,39-1-16,-38-19 0,-1 0 0,39 19 0,-38-19 0,19 19 0,-20 1 31,1-1-31,-1 0 0,20-19 0,0 0 0,-20 19 0,20-19 16,-20 20-16,1 18 16,38-19-16,-39-19 0,20 0 0,19 20 0,-38-1 0,18 0 0,1 0 31,0 1-31,0-20 0,-1 19 0,20 0 0,-19-19 15,19 19 1,-19-19-16,19 20 0,-19-1 0,0 0 16,19 0-16,0 1 15,0-1-15,0 19 0,0-19 16,0 1-16,0-1 0,0 0 16,0 0-16,0 1 0,0-1 0,0 0 0,0 0 31,0 1-31,0 18 0,0-19 0,0 1 0,0-1 0,0 0 31,0 20-31,0-1 0,0-19 0,0 1 0,0-1 16,0 0-1,19 0-15,-19 1 0,19-1 0,-19 0 16,0 0-16,19-19 0,-19 20 16,0-1-16,19-19 0,-19 19 0,20-19 15,-20 19-15,19 0 0,0-19 16,-19 20-1,19-1 1,1 0-16,-1-19 0,-19 19 16,19-19-16,0 20 0,1-1 0,-1 0 15,0-19 1,0 19 15,1 1-31,-20-1 16,19-19-1,0 19-15,-19 0 0,19-19 16,1 20-16,-1-1 31,-19 0-31,19-19 32,0 0-32,-19 19 0,20-19 15,-1 0 1,0 20-16,0-20 0,1 19 15,-1-19 1,0 19-16,0-19 0,1 0 16,-1 19-16,0 1 15,0-20-15,0 19 16,1-19-16,-1 0 0,0 0 31,0 0-31,1 19 0,-1-19 31,0 0-31,0 0 32,1 0-32,-20 19 0,19 1 15,0-20 1,0 0-16,1 0 31,-1 0-31,-19-20 0,19 20 16,0 0 15,1-19-31,-1 19 0,-19-19 31,19 19-31,-19-19 0,19 19 32,-19-20-32,20 1 15,-1 19-15,-19-19 0,19 0 16,-19-1-16,19 1 15,-19 0 1,20 0-16,-1 19 0,0-20 16,-19 1-16,0 0 15,0 0 1,19 19-16,-19-20 0,20 20 0,-20-19 0,0 0 31,0 0 0,0-1-15,0 1 0,0 0-1,0 0-15,19-1 0,-19 1 16,0 0-16,19 0 16,-19 0-1,0-1-15,0 1 0,19 19 16,-19-19-16,0 0 0,0-1 0,19 1 15,-19 0 1,0 0-16,0-1 0,0 1 0,20 19 16,-20-19-1,0 0-15,0-1 16,0 1 0,0 0-16,0 0 15,0-1-15,0 1 31,0 0-31,0 0 0,0-1 16,19 1-16,0 19 16,-19-19-16,0 0 0,0-1 0,0 1 31,0 0-31,19 0 0,-19-1 16,0 1-1,0 0 1,20 19-16,-20-19 0,19 19 15,-19-19-15,19 19 16,0 0-16,1 0 16,-1 0-16,0 0 0,20 0 15,-20 0-15,19 0 16,1 0-16,-20 0 0,0 0 16,20 0-16,-20 0 0,0 0 0,1 0 15,18 0-15,-19 0 0,1 0 16,-1 0-16,0 0 0,0 0 0,0 0 0,1 0 0,-1 0 15,0 0 1,0 0-16,1 0 0,-1 0 0,0 0 0,0 0 16,1 19-16,18-19 15,1 0-15,-20 0 16,0 0-16,0 0 0,1 0 0,-1 0 0,0 0 0,0 0 0,1 0 31,-1 0-31,0 0 0,0 0 0,1 0 0,-20 19 0,19-19 16,0 0-1,0 0-15,1 0 0,-1 0 0,0 0 16,0 0-16,0 0 16,1 0-16,-1 0 0,0 0 0,20 0 15,-20 0 1,0 0-16,0 0 0,1 0 0,-1 0 0,0 0 16,0 0-16,1 0 15,-1 0-15,19 0 0,1 0 0,-1 0 16,-18-19-1,-1 19-15,0 0 0,0-19 0,20-1 0,-20 20 16,0-19-16,1 19 0,-20-19 0,19 19 0,19-19 0,-38-1 16,19 20-1,1-19-15,-20 0 0,19 19 0,0-19 0,0-1 16,-19 1 0,0 0-16,20 0 0,-1-1 0,-19 1 0,0 0 15,19 0-15,-19-1 0,19 1 16,-19 0-16,20 0 0,-1-20 0,0 20 0,0 0 15,-19-20-15,20 20 16,-1 0-16,0-20 0,-19 20 0,19 0 0,1 0 16,-1-1-16,-19 1 15,19 19-15,-19-19 0,19 0 0,1 19 16,-20-20-16,19 1 0,0 19 0,0 0 31,1 0-31,-1 0 0,0-19 16,0 19-1,1 0-15,18 0 0,-19 0 0,0 0 16,1 0 0,-1 0-16,0 0 0,20 0 0,-1 0 0,-19 0 0,39 0 15,-19 0 1,-1 0-16,20 0 0,-39 0 0,39 0 0,0 0 0,-1 0 16,1 0-16,0 19 15,-1-19-15,-18 0 0,19 0 0,-1 0 0,-18 0 16,19 0-16,19 0 0,-39 0 15,39 0-15,-19 0 0,19 0 0,-39 0 16,39 0-16,-19 0 0,0 0 0,-1 0 0,1 0 0,0 0 0,0 0 16,-1 0-1,-18 0-15,18 0 0,1 0 0,19 0 0,-38 0 0,18 0 16,1 0-16,0 0 16,19 19-16,-19-19 0,19 0 0,-20 0 0,1 0 15,19 0-15,-39 0 16,39 0-16,-19 0 0,19 0 0,-38 0 0,18 0 15,1 20-15,-19-20 0,18 0 0,1 19 0,-20-19 16,20 0-16,0 0 0,-20 0 16,20 0-16,0 0 0,-20 0 15,20 0-15,0 0 0,-20 0 0,20 0 16,19 0-16,-39 0 0,20 0 0,0 0 0,-20 0 0,39 0 0,-19 0 16,0 0-1,-20 0-15,39 0 0,-19 0 0,-20 0 0,20 0 0,19 0 16,-38 0-16,18 0 15,20 0-15,-38 0 0,38 0 0,-19 0 0,-1 0 16,1 0-16,0 0 16,-1 0-16,1 0 0,0 0 0,19 0 15,-19 19-15,-1-19 0,1 0 0,19 19 0,-19-19 0,-20 20 0,20-20 16,0 0 0,-20 19-16,39-19 0,-19 19 0,0 0 0,-20-19 15,39 0-15,-19 19 0,0-19 0,-1 0 16,1 20-16,19-20 0,-39 0 0,20 0 0,19 0 0,-38 0 15,18 0 1,1 0-16,-39 0 0,58 0 0,-19 0 16,-20 0-16,39 0 0,-19 0 0,-39 0 15,20 0-15,19 0 0,-39 0 16,39 0-16,-1 0 0,-18 0 0,19 0 16,-20 0-16,1 0 0,18 0 0,-38 0 0,39 0 15,-19 0-15,-1 0 0,1 0 0,18 0 0,-18 0 0,19 0 0,-1 0 31,1 0-31,0 0 0,19 0 0,-20 0 0,-18 0 0,38 0 0,-19 0 16,-20 19 0,39 0-16,-19-19 0,-20 19 0,20-19 0,0 0 0,19 0 0,0 0 15,-39 0 1,20 0-16,0 20 0,-20-20 0,39 0 0,-19 19 0,-20-19 16,20 0-16,0 0 15,-20 0-15,20 0 0,0 0 0,-20 0 0,1 0 16,18 0-16,-18 0 15,-1 0-15,39 0 0,-57 0 0,37 0 0,1 0 16,-19 0-16,18 0 0,1 0 0,-20 0 0,20 0 0,0 0 0,-39 0 31,39 0-31,0 0 0,-20 0 0,20 0 0,0 0 0,-39 0 0,39 0 16,-20 0 0,-19 0-16,39 0 0,19 0 0,-39 0 0,39 0 0,-19 0 15,-19 0-15,18 0 16,1 0-16,-19 0 0,-1 0 0,-19 0 0,20 0 0,-1 0 0,1 0 15,-1 0 1,1 0-16,-1 0 0,1 0 0,-1 0 0,1 19 16,-1-19-16,20 19 15,-20-19-15,-18 0 0,18 0 0,20 0 16,-39 0-16,20 0 0,-20 0 16,19 0-16,1 0 0,-1 0 0,1 0 15,-20 0-15,19 0 0,20 0 0,-39 0 0,20 0 0,19 0 0,-39 0 16,19 0-1,1 0-15,-1 0 0,20 0 0,-19 0 0,-1 0 0,20 0 16,-20 0-16,20 0 16,0 0-16,-20 0 0,20 0 0,19 0 0,-39 0 15,20 0-15,0 0 0,-20 0 16,39 0-16,-19 0 0,0 20 0,-1-20 0,1 0 0,0 0 16,0 0-1,-1 0-15,1 0 0,-19 0 0,18 0 0,1 0 16,-39 0-16,39 0 0,-20 0 15,-18 0-15,18 0 0,-19 0 0,20 0 0,-1 0 16,-18 0-16,18 0 0,-19 0 0,20 0 0,-1 0 0,-18 0 16,18 0-1,-19 0-15,20 0 0,-1 0 0,-18 0 0,18 0 0,-19 0 16,20 0-16,18 0 16,-18 0-16,-1 0 0,-18 0 0,18 0 15,1 0-15,-1 0 0,20 0 16,-39 0-16,0 0 0,20 0 0,-20-20 15,39 20-15,-20 0 0,-18 0 0,18 0 0,-19 0 16,20 0-16,18 0 0,-18 0 0,19 0 16,-20 0-16,1-19 15,-1 19-15,20 0 0,-39 0 0,39 0 16,-39 0-16,39 0 0,0 0 0,-39 0 0,39 0 0,-20 0 0,-19 0 16,39 0-1,-20-19-15,1 19 0,-1 0 0,20 0 0,-39 0 0,20 0 16,-1 0-16,1 0 15,-1 0-15,20-19 0,-39 19 0,20 0 0,-20-20 16,20 20-16,-1 0 0,-19-19 16,0 19-16,20 0 0,-20-19 0,0 19 15,20-19-15,-20 19 0,20-20 0,-20 20 16,0 0-16,20 0 0,-39-19 0,38 19 0,-19 0 16,1 0-16,-1 0 15,0-19-15,0 19 0,1 0 0,-1 0 0,0 0 16,0 0-16,-19-19 0,20 19 0,-20-19 0,19 19 31,0 0-31,0-20 16,1 20-16,-1-19 15,0 0-15,0 19 16,-19-19-16,19-1 0,1 1 16,-1 0-16,19-20 0,-18 20 15,-1-19-15,0 38 0,-19-39 0,0 20 0,0 0 0,0-20 31,19 39-31,-19-19 0,0-20 0,20 1 0,-20 19 0,0-20 16,19 1 0,0-1-16,-19 20 0,0 0 15,0 0-15,0-1 0,0 1 16,0 0-16,0 0 0,0-1 0,-19 1 0,19 0 31,0 0-31,0-1 16,-19 20-16,19-19 15,0 0-15,0 0 0,0-1 16,0 1 0,0 0-16,0 0 0,0-1 0,0 1 15,19 0-15,0 19 0,-19-19 0,0-1 0,19 1 0,1 19 32,-20-19-32,0 0 0,19 19 0,0-20 0,0 1 0,-19 0 0,20 19 15,-1-19 1,0-1-16,0 20 0,1 0 0,18 0 0,1 0 31,-1 0-31,-19 0 0,20 0 0,-20 0 0,0 0 0,20 0 16,-20 0-16,19 0 15,1 0-15,-20 0 0,20 0 0,-1 0 0,1 0 16,18 0-16,-18 0 16,19 0-16,-1 0 0,-18 0 0,19 0 0,-1 0 15,1 0-15,19 0 0,0 0 16,-19 0-16,-20 0 0,20-19 0,0 19 15,-20 0-15,20-19 0,0 19 0,18-19 0,-37 0 0,38 19 0,-19-20 16,-20 20 0,20-19-16,0 0 0,-1 19 0,-18 0 0,-1 0 0,20-19 15,-39 19-15,39-20 16,-39 20-16,0 0 0,20 0 0,-20 0 0,0 0 0,20 0 16,-39-19-16,38 19 15,-18 0-15,-1 0 0,0 0 0,20 0 16,-20 0-16,0 0 15,0 0-15,1 0 0,-1 0 0,0 0 16,0 0-16,20 0 16,-1 0-16,1 0 0,-20 0 15,0-19-15,1 19 0,18 0 0,-19 0 0,0 0 0,1 0 32,-1-19-32,19 19 0,-38-20 0,20 1 15,-1 19-15,0 0 16,0-19-16,20 0 0,-20-1 0,-19 1 0,19 19 15,1 0-15,-20-19 16,19 0-16,0 19 0,0 0 0,-19-20 0,0 1 31,20 0-31,-1 0 0,-19-1 16,0 1 0,0 0-16,0 0 0,0-1 15,0 1-15,0 0 0,0 0 0,0-1 0,0 1 0,0 0 16,0 0-1,0 0-15,-19-1 0,19 1 0,0 0 0,-20 0 16,20-20-16,-19 20 16,0 0-16,19-20 0,-19 1 0,-1-20 15,1 58-15,0-39 0,0 1 16,19 19-16,0-1 0,0 1 0,-20 0 16,1 0-16,19-1 0,-19 1 0,19 0 15,-19 0-15,-1-1 0,20 1 0,-19 0 16,0 19-1,19-19-15,-19 0 0,-1 19 16,20-20-16,-19 20 16,19-19-16,0 0 0,-19 19 15,0 0-15,0 0 0,-1 0 16,-18-19 0,19-1-16,-1 1 0,1 19 0,0-19 0,0 19 0,-1-19 15,-18 19-15,19-20 16,-20 20-16,1 0 0,-1-19 0,20 19 0,-20-19 15,1 19-15,19-19 16,-20 19-16,20 0 0,-20 0 0,1 0 0,0 0 16,-1-20-16,20 20 15,-39-19-15,20 19 0,18 0 0,-18 0 0,19 0 16,-39 0-16,19 0 0,20 0 16,-19 0-16,-1 0 0,1 0 0,-1 0 15,1 0-15,-20 0 0,20 0 0,-1 0 0,1 0 0,-1 0 0,20 0 16,-20 0-1,20 19-15,-19-19 0,-20 0 0,39 20 0,-20-20 0,1 19 16,18-19 0,1 0-16,0 0 0,0 19 0,-20-19 0,1 0 0,-1 0 31,20 19-31,-19-19 0,18 0 0,-18 0 0,19 0 0,-1 0 0,-18 0 16,19 0-1,-1 0-15,-18 0 0,-1 0 0,1 0 0,-1 0 16,20 0-1,0 0-15,-20 0 0,20 0 0,0 0 16,0 0-16,-1 0 0,-18 0 0,19 0 0,-20 0 0,20 0 0,-19 20 16,-20-20-1,19 19-15,20 0 0,-19-19 0,-20 0 0,39 0 0,-20 0 16,20 0 0,-20 0-16,-18 19 0,37-19 0,-18 20 0,-20-1 0,39-19 15,-20 19-15,-18-19 16,18 19-16,20-19 0,-19 0 15,18 0-15,1 0 16,0 0-16,0 0 0,-1 0 16,1 0-16,0 0 0,0 0 0,-1 0 0,1 0 31,0 0-31,0 0 0,-1 0 16,1 0-1,0 0-15,0 0 0,19-19 0,-20 19 0,1 0 16,19-19-1,-19 0-15,-20 19 0,39-20 0,-19 20 0,0 0 0,0-19 16,-1 0 0,1 19-16,0-19 0,0-1 15,0 1-15,-1 0 16,20 0-16,-19 19 16,19-20-16,0 1 0,-19 19 0,19-19 0,-19 19 0,19-19 0,-20-1 31,20 1-31,0 0 0,0 0 0,-19-20 15,0 20 1,19 0-16,0-1 0,0 1 0,-19 0 0,19 0 0,-20 19 31,20-20-31,0 1 0,-19 19 0,19-19 0,0 0 16,-19 19 0,0-19-16,-1-1 31,1 1-31,0 19 15,19-19-15,-19 19 0,-1-19 16,20-1-16,-19 20 0,-19 0 0,38-19 16,-20 19-16,1-19 0,0 0 0,0 19 15,-20-20-15,39 1 0,-38 19 16,18 0-16,1 0 0,0-19 0,0 0 0,0-1 0,-20 20 16,20 0-1,-20 0-15,39-19 0,-38 19 0,19 0 0,-1-19 0,-18 19 16,38-19-16,-39 19 15,20 0-15,0 0 0,-20 0 0,20 0 0,-19 0 16,-1 0-16,20 0 0,-20 0 16,20 0-16,-19 0 0,-1 0 0,20 0 15,-19 0-15,18 0 0,-18 0 0,-1 0 0,20 0 0,-19 0 0,18 0 16,-18 0 0,-1 0-16,20 0 0,-19 0 0,18 0 0,-37 19 0,18-19 15,20 0 1,-20 19-16,1-19 0,-1 0 0,1 0 0,0 19 0,18-19 15,-37 20-15,18-20 16,20 0-16,-20 0 0,20 0 0,-19 0 0,-1 0 16,20 0-16,-20 0 0,20 0 15,-19 0-15,-1 0 0,20 0 0,-20 0 0,20 0 16,-19 0-16,-1 0 0,20 0 16,-19 0-16,-20 19 0,39-19 0,-20 0 15,20 0-15,-20 0 0,1 0 0,-1 0 0,-18 0 0,-1 19 0,19-19 16,-18 0-1,-20 19-15,0 1 0,0-1 0,19-19 0,-19 0 0,0 0 16,0 0 0,39 19-16,-39-19 0,19 0 0,-19 19 0,19 1 0,-19-20 15,0 19-15,0-19 16,20 0-16,-20 0 0,19 0 0,-19 19 0,38-19 16,-18 0-16,-1 0 0,39 0 15,-20 0-15,20 0 0,0 0 0,-20 0 16,20 0-16,-39 0 0,1 0 0,37 0 0,-37 0 15,-1 0-15,0 0 0,-19 0 16,0 0-16,0 0 0,39 0 0,-20 0 0,-19 0 0,39 0 0,-39 0 16,0 0-1,19 0-15,19 0 0,-37 0 0,18 0 0,0 0 0,-19 0 16,0 0 0,39 0-16,-39 0 0,19 0 0,-19 0 0,38 0 0,-37 0 15,18 0-15,19 0 16,-18 0-16,-20 0 0,38 0 0,-38 0 0,19 0 15,1 0-15,-1 0 0,0 0 16,1 0-16,18 0 0,-19 0 0,1 0 16,37 0-16,-37 0 0,18 0 0,1 0 0,18 0 15,1 0 1,0 0-16,0 0 0,-1 0 0,1 0 16,0 0-16,0 0 15,-1 0-15,1 0 0,0 0 31,0 0-31,-1 0 16,1-19 0,0 19-16,0 0 0,0-19 15,-1 19-15,1 0 16,0 0-16,0 0 0,-20-20 16,39 1-16,-19 19 0,0-19 0,-1 19 0,1 0 15,0 0 1,0-19-16,-1-1 0,1 20 15,0 0 1,0-19-16,-1 19 0,1 0 31,0 0-31,19-19 16,-19 19 0,-1 0-16,1 0 46,0-19 95,0 19-16,-1 0-125,1 0 16,-19 0-1,18 0-15,1 0 0,0 0 0,0 0 0,-20-20 16,20 20-16,0 0 16,0 0-16,-1 0 0,-18 0 0,19 0 0,-1-19 15,-18 19-15,-1 0 0,1-19 16,19 19-16,-1 0 0,1 0 15,0 0-15,0 0 0,-1 0 0,1 0 32,0 0-32,0-19 0,-1 19 31,1 0-15,19-20-1,-19 20-15,0 0 0,-1 0 16,1 0-1,0 0-15,0 0 16,0 0 0,-1 0-16,1 0 0,0 0 15,0 0-15,-1 0 0,1 0 0,0 0 0,0 0 32,-1 0-32,1 0 0,0 0 31,0 0-31,-1 0 0,1 0 15,0 0-15,0 0 16,-1 0-16,1 0 16,0 0-1,0 0-15,-1 0 16,1 0 0,0 0-16,0-19 15,-1 19 1,1 0-1,0 0-15,0 0 32,-1 0-32,1 0 0,0 0 15,0 0-15,0 0 16,-1 0-16,1 0 0,0 0 31,0 0-31,-1 0 16,1 0 15,0 0-15,0 0-1</inkml:trace>
+  </inkml:traceGroup>
+</inkml:ink>
+</file>
+
+<file path=ppt/ink/ink2.xml><?xml version="1.0" encoding="utf-8"?>
+<inkml:ink xmlns:inkml="http://www.w3.org/2003/InkML">
+  <inkml:definitions>
+    <inkml:context xml:id="ctx0">
+      <inkml:inkSource xml:id="inkSrc0">
+        <inkml:traceFormat>
+          <inkml:channel name="X" type="integer" min="-2160" max="1920" units="cm"/>
+          <inkml:channel name="Y" type="integer" max="1440" units="cm"/>
+          <inkml:channel name="T" type="integer" max="2.14748E9" units="dev"/>
+        </inkml:traceFormat>
+        <inkml:channelProperties>
+          <inkml:channelProperty channel="X" name="resolution" value="77.41936" units="1/cm"/>
+          <inkml:channelProperty channel="Y" name="resolution" value="48.64865" units="1/cm"/>
+          <inkml:channelProperty channel="T" name="resolution" value="1" units="1/dev"/>
+        </inkml:channelProperties>
+      </inkml:inkSource>
+      <inkml:timestamp xml:id="ts0" timeString="2020-05-23T16:37:54.277"/>
+    </inkml:context>
+    <inkml:brush xml:id="br0">
+      <inkml:brushProperty name="width" value="0.06667" units="cm"/>
+      <inkml:brushProperty name="height" value="0.06667" units="cm"/>
+      <inkml:brushProperty name="color" value="#FF0000"/>
+      <inkml:brushProperty name="fitToCurve" value="1"/>
+    </inkml:brush>
+  </inkml:definitions>
+  <inkml:traceGroup>
+    <inkml:annotationXML>
+      <emma:emma xmlns:emma="http://www.w3.org/2003/04/emma" version="1.0">
+        <emma:interpretation id="{28C22F9E-9F58-4697-AC07-900D71029486}" emma:medium="tactile" emma:mode="ink">
+          <msink:context xmlns:msink="http://schemas.microsoft.com/ink/2010/main" type="inkDrawing" rotatedBoundingBox="5064,13918 23887,14029 23876,15802 5053,15692" hotPoints="23131,12168 23492,13707 6590,17663 6230,16124" semanticType="enclosure" shapeName="Rectangle"/>
+        </emma:interpretation>
+      </emma:emma>
+    </inkml:annotationXML>
+    <inkml:trace contextRef="#ctx0" brushRef="#br0">2307 390 0,'-20'-19'47,"1"19"-31,0 0-16,-39 0 0,-19 0 0,39 0 0,-39 0 15,19 0-15,0 0 0,-19 0 0,-19 0 0,19 0 0,-19 0 0,38 0 32,1 0-32,-20 0 0,19 0 0,19 0 0,-18 0 15,18 0-15,1 19 0,-20-19 16,0 0-16,20 0 0,-20 0 0,0 20 0,1-20 0,18 0 0,-19 19 16,39-19-1,0 0-15,-20 0 0,20 0 0,0 0 0,0 0 0,-1 0 16,1 0-1,0 0-15,0 0 0,-1 0 0,1 0 0,0 0 32,0 0-32,-1 0 0,1 0 31,0 0-31,19 19 16,-19-19-16,-1 0 0,1 0 15,0 19 1,0-19-16,19 20 0,-19-20 15,-1 19-15,1 0 0,0-19 16,0 19-16,19 1 0,-20-1 0,1-19 0,19 19 0,-19 0 0,0-19 31,19 20-31,-20-1 0,20 0 0,-19 0 0,19 1 16,-19-20-16,19 19 16,0 0-16,0 0 0,0 1 15,0-1-15,0 0 16,0 0-16,0 1 0,0-1 15,0 0-15,0 20 0,0-20 0,0 19 16,19-19 0,-19 1-16,0-1 0,0 0 0,0 0 0,19 20 0,1-20 15,-20 0 1,19 1-16,-19 18 0,19-19 0,-19 1 0,0-1 0,0 0 0,19 20 31,-19-20-31,20-19 0,-20 19 0,0 0 0,19 1 16,-19-1-1,19 0-15,0 0 0,-19 1 32,20-20-32,-1 19 15,-19 0-15,19-19 16,0 0-16,0 0 0,20 0 16,-20 0-16,0 19 0,1-19 0,-1 0 0,0 20 31,0-20-31,1 0 0,-1 0 0,0 0 0,20 19 0,-1 0 0,-19-19 15,20 0 1,-1 19-16,-18-19 0,18 19 0,1-19 0,-20 0 0,19 20 0,20-1 16,-39-19-1,39 19-15,-20-19 0,1 0 0,19 0 0,-20 0 0,1 19 16,-1-19-16,20 0 16,-20 0-16,20 20 0,0-20 0,-39 0 0,39 19 15,-1-19-15,-18 0 0,-1 0 0,20 0 0,-39 0 0,39 0 16,-19 0-1,-1 0-15,1 0 0,-1 0 0,20 0 0,-20 0 0,1 0 16,19 0 0,-20 0-16,0 0 0,20 0 0,19 0 0,-38 0 0,38 0 15,-20 0-15,-18 0 16,19 0-16,-1 0 0,-18 0 0,38 0 0,-20 0 16,1 0-16,-19 0 0,38 0 15,-20 0-15,1 0 0,0 0 0,0 0 16,-1 0-16,1 0 0,0 0 0,-20 0 15,20 0-15,0 0 0,19 0 0,-20 0 0,1 0 0,19 0 16,-19 0-16,0 0 16,19 0-16,-20 0 0,1 0 0,19 0 15,19 0-15,-38 0 0,38 0 0,-57 0 0,38 0 0,19 0 0,-39 0 32,1 0-32,19 0 0,-19 0 0,19 0 0,-39 0 0,20 0 0,19 0 15,-38 0 1,18 0-16,1 0 0,-20 0 0,1 0 0,38 0 0,-39 0 15,20 0-15,0 0 16,-20 0-16,20 0 0,-19-19 0,-1 19 0,20-20 16,0 1-16,-1 19 0,-38 0 0,39 0 15,0 0-15,-20 0 0,20 0 0,-19-19 16,-1 19-16,20-19 0,0 19 16,-20 0-16,20 0 0,19 0 0,-39 0 15,20 0-15,0 0 0,-20 0 0,20 0 0,0 0 0,-20 0 0,20 0 31,0 0-31,-20 0 0,20 0 0,0 0 0,-39 0 0,38 0 0,-18 0 16,-1 0 0,1-20-16,19 20 0,-20-19 0,1 19 0,18 0 0,-37 0 15,37 0-15,-18-19 16,-20 19-16,39 0 0,0 0 0,-1-19 16,-38 19-16,39 0 0,-39-19 0,20-1 0,-1 20 0,-18 0 0,18 0 15,1 0 1,-1 0-16,1 0 0,-1 0 0,20 0 15,0 0-15,-20 0 0,20 0 0,-1 0 16,20 0-16,-19 0 0,38 0 0,-19 0 0,0 0 0,-19 0 0,0 0 31,38 0-31,-19 0 0,0-19 0,-19 19 0,19 0 0,-20 0 0,40 0 16,-20 0 0,-20 0-16,20 0 0,0 0 0,0 0 0,-19 0 0,38 0 15,-38 0-15,19 0 16,-19 0-16,19 0 0,-1 0 0,1 0 0,0 19 15,-19-19-15,19 0 0,-19 0 0,0 0 0,19 0 0,-20 0 0,-37 0 32,37 0-32,1 0 0,-39 0 0,39 0 0,0 0 0,-20 0 15,20 0-15,0 0 16,-20 0-16,20 0 0,0 0 0,-20 0 16,20 0-16,-1 0 0,-18 0 15,19 0-15,-1 0 0,-18 0 0,19 0 0,-20 0 0,1 0 0,-1 0 0,20 0 31,-39 0-31,39 0 0,-39 0 0,20 0 0,-1 0 0,-19 0 16,20 0-16,-20 0 16,0 0-16,20 0 0,-1 0 0,-19 0 15,1 0-15,-1 0 0,0 0 16,0 0-16,1 0 0,-1 0 0,0 0 16,0 0-16,1 0 0,-1 0 0,0 0 31,0 0-31,1 0 0,-1 0 0,0 0 0,0 0 15,1 0 1,-1 0-16,0 0 0,20 0 0,-20 0 16,38-19-16,-18 19 0,-20 0 0,20 0 15,-1 0-15,1 0 0,-1 0 0,1 0 16,18 0-16,-18 0 0,-1 0 0,1 0 0,-1 0 0,1 0 0,-1 0 16,-18 0-1,37 0-15,-18 0 0,-20 0 0,19 0 0,1 0 16,-20 0-16,0 0 0,1 0 15,18 0-15,1 0 0,-20 0 0,19 0 0,-18 0 16,18 0-16,1 0 16,-20 0-16,19 0 0,1 0 15,-1 0-15,-18 0 0,18 0 0,0 0 0,1 0 0,-1 0 0,-18 0 16,37 0 0,-37 0-16,-1 0 0,19 0 0,-18 0 0,37 0 0,-18 0 15,-20 0-15,39 0 16,-39 0-16,20 0 0,-1 0 0,-19 0 0,20 0 15,-20 0-15,19 0 0,20 0 16,-39 0-16,39 0 0,0 0 0,-39 0 16,20 0-16,-20 0 0,19 0 0,-18 0 0,-1 0 0,19 0 0,1 0 31,19 0-31,-39 0 0,19 0 0,-18 0 16,37 0-16,-18 0 0,-20 0 0,39 0 15,-20 0-15,1 0 0,18 0 16,-18 0-16,19 0 0,-20 0 0,20 0 15,-20 0-15,1 0 0,19 0 0,-39 0 0,19 19 0,1-19 0,-1 0 16,20 0 0,0 0-16,-20 20 0,1-1 0,18-19 0,20 19 0,-38-19 15,19 0-15,-39 0 16,19 19-16,1-19 0,-20 19 0,19-19 0,20 0 16,-19 0-16,-1 0 0,20 0 15,-20 0-15,1 0 0,-1 0 0,1 0 16,-20 0-16,0 0 0,20 0 0,-1 0 0,-18 0 0,18 0 0,-19 0 31,1 0-31,-1 0 0,0 0 0,0 0 16,0 0-16,1 0 15,-1 0-15,0 0 0,0 0 0,1 0 0,-1 0 32,0 0-32,0 0 0,1 0 0,-1 0 0,0 0 15,20 0-15,-1 0 16,-19 0-16,20 0 0,-20 0 0,0 0 15,1 0-15,-1 0 0,0 0 16,20 0-16,-20 0 0,19 0 0,1 0 16,-20 0-16,0 0 0,0 0 0,1 0 0,18 0 0,-19 0 31,1 0-31,-1 0 0,0 0 0,0 0 0,1 0 0,-1 0 16,0 0-1,0 0-15,1 0 0,-1 0 31,0 0-31,0 0 16,1 0-16,-1 0 16,0 0-16,0 0 0,1 0 15,-1 0 1,0 0-16,0 0 0,1 0 0,-1 0 16,0 0-16,0 0 0,1 0 0,-1 0 31,0 0-31,0 0 0,0 0 15,1 0 1,-1-19-16,0 0 109,-19 0-109,0 0 32,0-1-32,19 20 0,-19-19 15,0 0 1,20 19-16,-20-19 0,0-1 16,19 20-1,-19-19-15,0 0 16,0 0-1,0-1-15,0 1 32,0 0-32,0 0 0,0-1 31,0 1-31,0 0 0,-19 19 0,19-19 16,-20-1-16,1 20 0,19-19 15,0 0 1,-19 0-16,19-1 0,-19 1 0,19 0 0,-20 19 15,20-19 1,0-1 0,0 1-1,-19 0-15,19 0 47,0-1-31,0 1-16,-19 0 15,19 0 17,0 0-32,0-1 31,0 1-31,0 0 0,0 0 16,0-1 15,0 1-31,0 0 0,0 0 31,0-1-31,0 1 0,0 0 16,0 0-1,0-1 1,0 1-16,0 0 16,0 0-16,0-1 0,0 1 15,0 0 1,0 0-1,0-1 1,0 1-16,0 0 16,-19 0-16,19-1 15,0 1 1,-19 19-16,19-19 0,0 0 0,-20-1 0,20 1 31,0 0-31,0 0 16,-19 0-16,19-1 15,-19 1-15,19 0 0,0 0 0,-19-1 0,-1 1 32,1 19-32,19-19 0,-19 0 15,0 19 1,19-20-16,-20 1 0,1 19 16,19-19-16,-19 19 15,0 0-15,-1 0 16,-18 0-16,19 0 15,-1 0-15,1 0 0,0 0 16,-20 0-16,20 0 0,-19 0 0,18 0 0,-18 0 16,-1 0-1,20 0-15,0 0 0,-19 0 0,-1 0 0,20 0 16,0 0 0,-20 0-16,20 0 0,-20 0 0,20 0 0,0 0 0,-20 0 15,20 0 1,0 0-16,-20 0 0,20 0 0,0 0 0,0 0 0,-20 0 15,1 0-15,18 0 16,-37 0-16,37 0 0,-18 0 0,-20 0 16,39 0-16,-19 0 0,-20 0 0,39 0 15,-20 0-15,20 0 0,0 0 0,-20 0 16,20 0-16,-39 0 0,39 0 0,-39 0 0,0 0 0,1 0 16,18 0-16,-18 19 15,-20-19-15,38 0 0,-19 0 0,1 19 0,18-19 16,-19 0-16,1 20 0,-1-20 15,19 0-15,-18 0 0,-1 19 0,0-19 0,1 19 0,-20 0 0,19-19 32,0 20-32,0-20 0,-19 0 0,20 19 0,18 0 0,-38-19 15,39 19-15,-20-19 16,20 0-16,-20 20 0,-19-20 0,38 19 0,-18 0 16,-20-19-16,19 19 0,19 0 15,-18 1-15,37-1 0,1-19 0,0 0 16,-19 0-16,18 0 0,-18 0 0,19 0 0,-39 0 0,0 0 15,20 0 1,-1 0-16,-19 19 0,20-19 0,-20 19 0,0 1 0,20-20 0,-20 0 16,-19 0-1,58 0-15,-58 0 0,0 0 0,0 0 0,19 0 16,1 0-16,18 0 0,1 0 16,-1 0-16,20 0 0,-20 0 0,1 0 0,19 0 15,-20 0-15,20 0 16,-19 19-16,-1-19 0,20 0 0,-20 0 0,20 0 15,0 0 1,0 0-16,-1 0 0,-18 0 0,19 0 0,-20 0 16,1 0-16,18 0 0,1 0 15,0 0-15,0 0 0,-20 0 0,20 0 16,0 0-16,-20 0 16,20 0-16,0 0 0,0 0 0,-1 0 15,1 0-15,0 0 16,0 0-16,-20 0 0,1 0 15,18 0-15,1 0 0,0 0 0,0 0 16,-20 0-16,20 0 0,0-19 0,-20 19 16,20 0-16,0 0 0,-20-20 0,20 20 0,0 0 0,-20 0 15,1-19 1,18 19-16,1 0 0,-19 0 0,19 0 0,-20 0 16,20 0-16,0 0 15,-20 0-15,20 0 0,-20 0 0,1 0 0,-1 0 16,20 0-16,-19 0 15,18 0-15,1 0 0,-19 0 0,18 0 0,-18 0 0,-1 0 0,20 0 16,-19 0 0,-1 0-16,1 0 0,-1 0 0,20 0 0,-19 0 0,-1 0 15,1 0-15,-1 0 16,1-19-16,-1 19 0,1-19 0,-1 19 0,1 0 16,-1 0-16,20 0 15,-20 0-15,20 0 0,-19 0 0,-1 0 0,20 0 16,-19 0-16,-1 0 0,1 0 15,18 0-15,-18-20 0,19 20 16,-1 0-16,-18 0 0,19 0 0,-1 0 0,-18 0 0,19 0 0,-39 0 16,39 0-1,-1 0-15,-18 0 0,19 0 0,-20 0 0,20 0 0,0 0 16,-1 0-16,1 0 16,0 0-16,-19 0 0,18 0 0,-18 0 0,19 0 15,-20 0 1,20 0-16,0 0 0,-1 0 0,1 0 15,0 0-15,-20 0 16,20 0-16,0-19 0,0 19 16,-1 0-16,1 0 0,0 0 0,0 0 0,-1-19 31,-18 0-31,19 19 0,-20 0 0,20 0 0,0 0 16,-20 0-1,1 0-15,-1 0 0,1 0 0,19 0 16,-20 0-16,1 0 15,-1 0-15,20 0 0,0 0 0,-20 0 16,20 0-16,-20 0 0,20 0 16,0 0-16,0 0 0,-1 0 15,1 0-15,-19 0 0,-1 0 0,20 0 0,-20 0 0,20 0 32,-19 0-32,-1 0 0,20 0 0,0 0 15,-20 0-15,1 0 16,19 0-16,-20 0 0,20 0 0,0 0 15,-20 0-15,20 0 0,-20 0 16,1 0-16,19 0 0,-20 0 0,20 0 16,-20 0-16,1 0 0,-1 0 0,1 0 0,19 0 0,-20 0 15,20 0 1,-19 0-16,18 0 0,-18 0 0,19 0 31,-1 0-31,1 0 0,0 0 0,0 0 0,-1 0 16,1 0-16,-19 0 0,18 0 15,1 0-15,0 0 16,0 0-16,-1 0 0,-18 0 0,-1 0 16,20 0-16,0 0 0,0 0 0,-1 0 0,1 0 0,0 0 15,0 0 1,0 0-16,-1 0 0,-18 0 0,19 0 0,-1 0 16,1 0-1,0 0-15,0 0 0,-1 0 0,1 0 0,0 0 16,0 0-16,-20 0 15,20 0-15,0 0 0,-20 0 0,1 0 16,18 0-16,-18 0 16,19 0-16,-1 0 0,1 0 15,-19 0-15,18 0 0,1 0 16,0 0-16,0 0 0,-20 0 16,1 0-16,19 0 0,-1 0 0,1 0 0,0 0 15,0 0 1,-1 0-16,1 0 0,0 0 0,0 0 0,-1 0 0,1 0 15,0 0-15,0 0 16,-1 0-16,1 0 0,0 0 0,0 0 0,-1 0 16,1 0-16,0 0 15,0 0-15,-20 0 0,1 0 16,-1 0-16,20 0 0,-19 0 16,18 0-16,-18 0 0,-1 0 0,20 0 15,-19 0-15,18 0 0,-18 0 0,-1 0 0,1 0 0,-1 0 0,20 0 16,-19 0-1,-1 0-15,1 0 0,18 0 16,1 0-16,-19 0 0,18 0 0,-18 0 16,19 0-16,0 0 0,-20 0 0,1 0 0,18 0 0,1 0 31,-19 0-31,-1 0 0,1 0 0,-1 0 0,20 0 16,-20 0-1,20 0-15,0 0 0,-20 0 0,20 0 0,-19 0 0,18 19 16,1-19-16,0 0 15,0 0-15,-1 0 0,1 0 0,0 0 0,0 0 16,0 0-16,-1 0 0,1 0 16,0 0-16,0 0 0,-1 19 0,1-19 15,0 0-15,0 0 0,-1 0 0,1 19 0,-19-19 0,-1 0 16,20 0 0,0 0-16,-1 0 0,1 20 0,-19-20 0,18 19 0,1-19 0,-19 0 31,18 0-31,-37 0 0,18 0 0,20 0 0,0 0 0,-20 19 0,20 0 15,0-19 1,-20 0-16,20 0 0,-19 0 0,18 0 0,1 0 0,-19 0 16,18 0-16,1 0 15,0 0-15,0 0 0,-1 0 0,1 20 0,0-20 16,0 0-16,-1 0 0,1 0 0,0 19 0,0-19 31,-1 0-31,1 0 0,0 0 0,0 0 16,-1 0-1,1 0-15,0 0 0,0 0 0,0 0 0,-1 0 16,1 0-16,-19 0 16,-1 0-16,20 0 15,-20 0-15,20 0 0,-19 0 16,-1 0-16,20 0 0,-20 0 0,20 0 0,0 0 16,0 0-16,-20 0 15,20 0-15,0 0 0,-20 0 16,20 0-16,0 0 0,-1 0 0,1 0 0,0 0 0,-19 0 0,18 0 15,1 0 1,-19 0-16,18 0 0,-18 0 0,19 0 0,-1 0 0,-18 0 16,19 0-16,-1 0 15,1 0-15,-19 0 0,18 0 0,1 0 0,0 0 16,-20 0-16,1 0 16,-1 0-16,20-19 0,0 19 15,0 0-15,-1 0 0,1 0 16,0-20-16,0 20 0,0 0 0,-20 0 0,1 0 15,18 0-15,1 0 16,0 0-16,0 0 16,-1 0-16,1 0 0,0-19 15,0 19 17,-1 0-32,1 0 15,0 0 1,0 0-16,-1 0 0,1 0 31,0 0-31,0 0 16,-1 0 15,1 0-15,0 0 30,0 0-30,-1 0 31,1 0-16,0 0-31,19-19 16,-19 19-1,-1 0 1,20-19 15,-19 19 1,0-20-17,0 20 1,19-19 31,-19 19-47</inkml:trace>
+  </inkml:traceGroup>
+</inkml:ink>
+</file>
+
 <file path=ppt/slideLayouts/slideLayout1.xml><?xml version="1.0" encoding="utf-8"?>
 <p:sldLayout xmlns:a="http://schemas.openxmlformats.org/drawingml/2006/main" xmlns:r="http://schemas.openxmlformats.org/officeDocument/2006/relationships" xmlns:p="http://schemas.openxmlformats.org/presentationml/2006/main" type="title" preserve="1">
   <p:cSld name="标题幻灯片">
@@ -304,7 +380,7 @@
           <a:p>
             <a:fld id="{63999BEB-2D66-4060-9336-20566527F529}" type="datetimeFigureOut">
               <a:rPr lang="zh-CN" altLang="en-US" smtClean="0"/>
-              <a:t>2020/5/20</a:t>
+              <a:t>2020/5/23</a:t>
             </a:fld>
             <a:endParaRPr lang="zh-CN" altLang="en-US"/>
           </a:p>
@@ -474,7 +550,7 @@
           <a:p>
             <a:fld id="{63999BEB-2D66-4060-9336-20566527F529}" type="datetimeFigureOut">
               <a:rPr lang="zh-CN" altLang="en-US" smtClean="0"/>
-              <a:t>2020/5/20</a:t>
+              <a:t>2020/5/23</a:t>
             </a:fld>
             <a:endParaRPr lang="zh-CN" altLang="en-US"/>
           </a:p>
@@ -654,7 +730,7 @@
           <a:p>
             <a:fld id="{63999BEB-2D66-4060-9336-20566527F529}" type="datetimeFigureOut">
               <a:rPr lang="zh-CN" altLang="en-US" smtClean="0"/>
-              <a:t>2020/5/20</a:t>
+              <a:t>2020/5/23</a:t>
             </a:fld>
             <a:endParaRPr lang="zh-CN" altLang="en-US"/>
           </a:p>
@@ -824,7 +900,7 @@
           <a:p>
             <a:fld id="{63999BEB-2D66-4060-9336-20566527F529}" type="datetimeFigureOut">
               <a:rPr lang="zh-CN" altLang="en-US" smtClean="0"/>
-              <a:t>2020/5/20</a:t>
+              <a:t>2020/5/23</a:t>
             </a:fld>
             <a:endParaRPr lang="zh-CN" altLang="en-US"/>
           </a:p>
@@ -1077,7 +1153,7 @@
           <a:p>
             <a:fld id="{63999BEB-2D66-4060-9336-20566527F529}" type="datetimeFigureOut">
               <a:rPr lang="zh-CN" altLang="en-US" smtClean="0"/>
-              <a:t>2020/5/20</a:t>
+              <a:t>2020/5/23</a:t>
             </a:fld>
             <a:endParaRPr lang="zh-CN" altLang="en-US"/>
           </a:p>
@@ -1309,7 +1385,7 @@
           <a:p>
             <a:fld id="{63999BEB-2D66-4060-9336-20566527F529}" type="datetimeFigureOut">
               <a:rPr lang="zh-CN" altLang="en-US" smtClean="0"/>
-              <a:t>2020/5/20</a:t>
+              <a:t>2020/5/23</a:t>
             </a:fld>
             <a:endParaRPr lang="zh-CN" altLang="en-US"/>
           </a:p>
@@ -1676,7 +1752,7 @@
           <a:p>
             <a:fld id="{63999BEB-2D66-4060-9336-20566527F529}" type="datetimeFigureOut">
               <a:rPr lang="zh-CN" altLang="en-US" smtClean="0"/>
-              <a:t>2020/5/20</a:t>
+              <a:t>2020/5/23</a:t>
             </a:fld>
             <a:endParaRPr lang="zh-CN" altLang="en-US"/>
           </a:p>
@@ -1794,7 +1870,7 @@
           <a:p>
             <a:fld id="{63999BEB-2D66-4060-9336-20566527F529}" type="datetimeFigureOut">
               <a:rPr lang="zh-CN" altLang="en-US" smtClean="0"/>
-              <a:t>2020/5/20</a:t>
+              <a:t>2020/5/23</a:t>
             </a:fld>
             <a:endParaRPr lang="zh-CN" altLang="en-US"/>
           </a:p>
@@ -1889,7 +1965,7 @@
           <a:p>
             <a:fld id="{63999BEB-2D66-4060-9336-20566527F529}" type="datetimeFigureOut">
               <a:rPr lang="zh-CN" altLang="en-US" smtClean="0"/>
-              <a:t>2020/5/20</a:t>
+              <a:t>2020/5/23</a:t>
             </a:fld>
             <a:endParaRPr lang="zh-CN" altLang="en-US"/>
           </a:p>
@@ -2166,7 +2242,7 @@
           <a:p>
             <a:fld id="{63999BEB-2D66-4060-9336-20566527F529}" type="datetimeFigureOut">
               <a:rPr lang="zh-CN" altLang="en-US" smtClean="0"/>
-              <a:t>2020/5/20</a:t>
+              <a:t>2020/5/23</a:t>
             </a:fld>
             <a:endParaRPr lang="zh-CN" altLang="en-US"/>
           </a:p>
@@ -2419,7 +2495,7 @@
           <a:p>
             <a:fld id="{63999BEB-2D66-4060-9336-20566527F529}" type="datetimeFigureOut">
               <a:rPr lang="zh-CN" altLang="en-US" smtClean="0"/>
-              <a:t>2020/5/20</a:t>
+              <a:t>2020/5/23</a:t>
             </a:fld>
             <a:endParaRPr lang="zh-CN" altLang="en-US"/>
           </a:p>
@@ -2632,7 +2708,7 @@
           <a:p>
             <a:fld id="{63999BEB-2D66-4060-9336-20566527F529}" type="datetimeFigureOut">
               <a:rPr lang="zh-CN" altLang="en-US" smtClean="0"/>
-              <a:t>2020/5/20</a:t>
+              <a:t>2020/5/23</a:t>
             </a:fld>
             <a:endParaRPr lang="zh-CN" altLang="en-US"/>
           </a:p>
@@ -3288,7 +3364,7 @@
         </p:blipFill>
         <p:spPr>
           <a:xfrm>
-            <a:off x="838200" y="3093684"/>
+            <a:off x="838200" y="3156027"/>
             <a:ext cx="10515600" cy="3083279"/>
           </a:xfrm>
           <a:prstGeom prst="rect">
@@ -3382,6 +3458,84 @@
           </a:prstGeom>
         </p:spPr>
       </p:pic>
+      <mc:AlternateContent xmlns:mc="http://schemas.openxmlformats.org/markup-compatibility/2006">
+        <mc:Choice xmlns:p14="http://schemas.microsoft.com/office/powerpoint/2010/main" Requires="p14">
+          <p:contentPart p14:bwMode="auto" r:id="rId3">
+            <p14:nvContentPartPr>
+              <p14:cNvPr id="23" name="墨迹 22"/>
+              <p14:cNvContentPartPr/>
+              <p14:nvPr/>
+            </p14:nvContentPartPr>
+            <p14:xfrm>
+              <a:off x="1203087" y="2486836"/>
+              <a:ext cx="8850960" cy="1926720"/>
+            </p14:xfrm>
+          </p:contentPart>
+        </mc:Choice>
+        <mc:Fallback>
+          <p:pic>
+            <p:nvPicPr>
+              <p:cNvPr id="23" name="墨迹 22"/>
+              <p:cNvPicPr/>
+              <p:nvPr/>
+            </p:nvPicPr>
+            <p:blipFill>
+              <a:blip r:embed="rId4"/>
+              <a:stretch>
+                <a:fillRect/>
+              </a:stretch>
+            </p:blipFill>
+            <p:spPr>
+              <a:xfrm>
+                <a:off x="1191207" y="2474956"/>
+                <a:ext cx="8874720" cy="1950480"/>
+              </a:xfrm>
+              <a:prstGeom prst="rect">
+                <a:avLst/>
+              </a:prstGeom>
+            </p:spPr>
+          </p:pic>
+        </mc:Fallback>
+      </mc:AlternateContent>
+      <mc:AlternateContent xmlns:mc="http://schemas.openxmlformats.org/markup-compatibility/2006">
+        <mc:Choice xmlns:p14="http://schemas.microsoft.com/office/powerpoint/2010/main" Requires="p14">
+          <p:contentPart p14:bwMode="auto" r:id="rId5">
+            <p14:nvContentPartPr>
+              <p14:cNvPr id="25" name="墨迹 24"/>
+              <p14:cNvContentPartPr/>
+              <p14:nvPr/>
+            </p14:nvContentPartPr>
+            <p14:xfrm>
+              <a:off x="1815807" y="5013316"/>
+              <a:ext cx="6782760" cy="662400"/>
+            </p14:xfrm>
+          </p:contentPart>
+        </mc:Choice>
+        <mc:Fallback>
+          <p:pic>
+            <p:nvPicPr>
+              <p:cNvPr id="25" name="墨迹 24"/>
+              <p:cNvPicPr/>
+              <p:nvPr/>
+            </p:nvPicPr>
+            <p:blipFill>
+              <a:blip r:embed="rId6"/>
+              <a:stretch>
+                <a:fillRect/>
+              </a:stretch>
+            </p:blipFill>
+            <p:spPr>
+              <a:xfrm>
+                <a:off x="1803927" y="5001436"/>
+                <a:ext cx="6806520" cy="686160"/>
+              </a:xfrm>
+              <a:prstGeom prst="rect">
+                <a:avLst/>
+              </a:prstGeom>
+            </p:spPr>
+          </p:pic>
+        </mc:Fallback>
+      </mc:AlternateContent>
     </p:spTree>
     <p:extLst>
       <p:ext uri="{BB962C8B-B14F-4D97-AF65-F5344CB8AC3E}">
@@ -3492,6 +3646,70 @@
           </a:prstGeom>
         </p:spPr>
       </p:pic>
+      <p:sp>
+        <p:nvSpPr>
+          <p:cNvPr id="3" name="文本框 2"/>
+          <p:cNvSpPr txBox="1"/>
+          <p:nvPr/>
+        </p:nvSpPr>
+        <p:spPr>
+          <a:xfrm>
+            <a:off x="4114800" y="3211699"/>
+            <a:ext cx="1338828" cy="369332"/>
+          </a:xfrm>
+          <a:prstGeom prst="rect">
+            <a:avLst/>
+          </a:prstGeom>
+          <a:noFill/>
+        </p:spPr>
+        <p:txBody>
+          <a:bodyPr wrap="none" rtlCol="0">
+            <a:spAutoFit/>
+          </a:bodyPr>
+          <a:lstStyle/>
+          <a:p>
+            <a:r>
+              <a:rPr lang="zh-CN" altLang="en-US" dirty="0" smtClean="0"/>
+              <a:t>匿名函数类</a:t>
+            </a:r>
+            <a:endParaRPr lang="zh-CN" altLang="en-US" dirty="0"/>
+          </a:p>
+        </p:txBody>
+      </p:sp>
+      <p:sp>
+        <p:nvSpPr>
+          <p:cNvPr id="4" name="文本框 3"/>
+          <p:cNvSpPr txBox="1"/>
+          <p:nvPr/>
+        </p:nvSpPr>
+        <p:spPr>
+          <a:xfrm>
+            <a:off x="9847862" y="2842367"/>
+            <a:ext cx="1636987" cy="369332"/>
+          </a:xfrm>
+          <a:prstGeom prst="rect">
+            <a:avLst/>
+          </a:prstGeom>
+          <a:noFill/>
+        </p:spPr>
+        <p:txBody>
+          <a:bodyPr wrap="none" rtlCol="0">
+            <a:spAutoFit/>
+          </a:bodyPr>
+          <a:lstStyle/>
+          <a:p>
+            <a:r>
+              <a:rPr lang="en-US" altLang="zh-CN" dirty="0" smtClean="0"/>
+              <a:t>Lambda</a:t>
+            </a:r>
+            <a:r>
+              <a:rPr lang="zh-CN" altLang="en-US" dirty="0" smtClean="0"/>
+              <a:t>表达式</a:t>
+            </a:r>
+            <a:endParaRPr lang="zh-CN" altLang="en-US" dirty="0"/>
+          </a:p>
+        </p:txBody>
+      </p:sp>
     </p:spTree>
     <p:extLst>
       <p:ext uri="{BB962C8B-B14F-4D97-AF65-F5344CB8AC3E}">
@@ -3572,8 +3790,12 @@
               <a:t>1. </a:t>
             </a:r>
             <a:r>
-              <a:rPr lang="zh-CN" altLang="en-US" dirty="0" smtClean="0"/>
-              <a:t>代码简洁。函数式</a:t>
+              <a:rPr lang="zh-CN" altLang="en-US" b="1" dirty="0" smtClean="0"/>
+              <a:t>代码简洁</a:t>
+            </a:r>
+            <a:r>
+              <a:rPr lang="zh-CN" altLang="en-US" dirty="0" smtClean="0"/>
+              <a:t>。函数式</a:t>
             </a:r>
             <a:r>
               <a:rPr lang="zh-CN" altLang="en-US" dirty="0"/>
@@ -3618,16 +3840,20 @@
               <a:t>2. </a:t>
             </a:r>
             <a:r>
-              <a:rPr lang="zh-CN" altLang="en-US" dirty="0" smtClean="0"/>
+              <a:rPr lang="zh-CN" altLang="en-US" b="1" dirty="0" smtClean="0"/>
               <a:t>多</a:t>
             </a:r>
             <a:r>
-              <a:rPr lang="zh-CN" altLang="en-US" dirty="0"/>
+              <a:rPr lang="zh-CN" altLang="en-US" b="1" dirty="0"/>
               <a:t>核</a:t>
             </a:r>
             <a:r>
-              <a:rPr lang="zh-CN" altLang="en-US" dirty="0" smtClean="0"/>
-              <a:t>友好。</a:t>
+              <a:rPr lang="zh-CN" altLang="en-US" b="1" dirty="0" smtClean="0"/>
+              <a:t>友好</a:t>
+            </a:r>
+            <a:r>
+              <a:rPr lang="zh-CN" altLang="en-US" dirty="0" smtClean="0"/>
+              <a:t>。</a:t>
             </a:r>
             <a:r>
               <a:rPr lang="en-US" altLang="zh-CN" dirty="0" smtClean="0"/>
@@ -3635,7 +3861,23 @@
             </a:r>
             <a:r>
               <a:rPr lang="zh-CN" altLang="en-US" dirty="0"/>
-              <a:t>函数式编程使得编写并行程序从未如此简单，你需要的全部就是调用</a:t>
+              <a:t>函数式编程使得编写并行程序从未如此简单，你</a:t>
+            </a:r>
+            <a:r>
+              <a:rPr lang="zh-CN" altLang="en-US" dirty="0" smtClean="0"/>
+              <a:t>需要</a:t>
+            </a:r>
+            <a:r>
+              <a:rPr lang="zh-CN" altLang="en-US" dirty="0"/>
+              <a:t>做的</a:t>
+            </a:r>
+            <a:r>
+              <a:rPr lang="zh-CN" altLang="en-US" dirty="0" smtClean="0"/>
+              <a:t>就是</a:t>
+            </a:r>
+            <a:r>
+              <a:rPr lang="zh-CN" altLang="en-US" dirty="0"/>
+              <a:t>调用</a:t>
             </a:r>
             <a:r>
               <a:rPr lang="zh-CN" altLang="en-US" dirty="0" smtClean="0"/>
@@ -4060,16 +4302,65 @@
             </a:r>
             <a:r>
               <a:rPr lang="zh-CN" altLang="en-US" dirty="0"/>
-              <a:t>中，</a:t>
-            </a:r>
-            <a:r>
-              <a:rPr lang="en-US" altLang="zh-CN" dirty="0"/>
+              <a:t>中</a:t>
+            </a:r>
+            <a:r>
+              <a:rPr lang="zh-CN" altLang="en-US" dirty="0" smtClean="0"/>
+              <a:t>，</a:t>
+            </a:r>
+            <a:endParaRPr lang="en-US" altLang="zh-CN" dirty="0" smtClean="0"/>
+          </a:p>
+          <a:p>
+            <a:pPr marL="0" indent="0">
+              <a:buNone/>
+            </a:pPr>
+            <a:r>
+              <a:rPr lang="en-US" altLang="zh-CN" dirty="0" smtClean="0"/>
               <a:t>Lambda</a:t>
             </a:r>
             <a:r>
               <a:rPr lang="zh-CN" altLang="en-US" dirty="0"/>
-              <a:t>表达式有其相应的函数式接口，还有类型推断机制。</a:t>
-            </a:r>
+              <a:t>表达式</a:t>
+            </a:r>
+            <a:r>
+              <a:rPr lang="zh-CN" altLang="en-US" dirty="0" smtClean="0"/>
+              <a:t>有函数</a:t>
+            </a:r>
+            <a:r>
+              <a:rPr lang="zh-CN" altLang="en-US" dirty="0"/>
+              <a:t>式</a:t>
+            </a:r>
+            <a:r>
+              <a:rPr lang="zh-CN" altLang="en-US" dirty="0" smtClean="0"/>
+              <a:t>接口</a:t>
+            </a:r>
+            <a:r>
+              <a:rPr lang="zh-CN" altLang="en-US" dirty="0" smtClean="0"/>
+              <a:t>、变量捕获和</a:t>
+            </a:r>
+            <a:r>
+              <a:rPr lang="zh-CN" altLang="en-US" dirty="0" smtClean="0"/>
+              <a:t>类型</a:t>
+            </a:r>
+            <a:r>
+              <a:rPr lang="zh-CN" altLang="en-US" dirty="0"/>
+              <a:t>推断</a:t>
+            </a:r>
+            <a:r>
+              <a:rPr lang="zh-CN" altLang="en-US" dirty="0" smtClean="0"/>
+              <a:t>机制的支撑；</a:t>
+            </a:r>
+            <a:endParaRPr lang="en-US" altLang="zh-CN" dirty="0" smtClean="0"/>
+          </a:p>
+          <a:p>
+            <a:pPr marL="0" indent="0">
+              <a:buNone/>
+            </a:pPr>
+            <a:r>
+              <a:rPr lang="zh-CN" altLang="en-US" dirty="0" smtClean="0"/>
+              <a:t>提供更强大的并行处理功能。</a:t>
+            </a:r>
+            <a:endParaRPr lang="zh-CN" altLang="en-US" dirty="0"/>
           </a:p>
         </p:txBody>
       </p:sp>
@@ -4224,7 +4515,7 @@
         <p:spPr/>
         <p:txBody>
           <a:bodyPr>
-            <a:normAutofit fontScale="85000" lnSpcReduction="20000"/>
+            <a:normAutofit fontScale="77500" lnSpcReduction="20000"/>
           </a:bodyPr>
           <a:lstStyle/>
           <a:p>
@@ -4535,7 +4826,6 @@
               <a:rPr lang="zh-CN" altLang="en-US" dirty="0"/>
               <a:t>参考资料</a:t>
             </a:r>
-            <a:endParaRPr lang="zh-CN" altLang="en-US" dirty="0"/>
           </a:p>
         </p:txBody>
       </p:sp>
@@ -4770,7 +5060,26 @@
           <a:p>
             <a:r>
               <a:rPr lang="zh-CN" altLang="en-US" dirty="0" smtClean="0"/>
-              <a:t>表达能力提升，并流线化了一些常用结构的实现方式；</a:t>
+              <a:t>表达能力提升</a:t>
+            </a:r>
+            <a:r>
+              <a:rPr lang="zh-CN" altLang="en-US" dirty="0" smtClean="0"/>
+              <a:t>，更简洁；</a:t>
+            </a:r>
+            <a:endParaRPr lang="en-US" altLang="zh-CN" dirty="0" smtClean="0"/>
+          </a:p>
+          <a:p>
+            <a:r>
+              <a:rPr lang="zh-CN" altLang="en-US" dirty="0" smtClean="0"/>
+              <a:t>流线化 </a:t>
+            </a:r>
+            <a:r>
+              <a:rPr lang="en-US" altLang="zh-CN" dirty="0" smtClean="0"/>
+              <a:t>+ API = </a:t>
+            </a:r>
+            <a:r>
+              <a:rPr lang="zh-CN" altLang="en-US" dirty="0" smtClean="0"/>
+              <a:t>并行处理；</a:t>
             </a:r>
             <a:endParaRPr lang="en-US" altLang="zh-CN" dirty="0" smtClean="0"/>
           </a:p>
@@ -4781,19 +5090,11 @@
             </a:r>
             <a:r>
               <a:rPr lang="zh-CN" altLang="en-US" dirty="0" smtClean="0"/>
-              <a:t>表达式的加入也导致</a:t>
+              <a:t>表达式带来的其他其他</a:t>
             </a:r>
             <a:r>
               <a:rPr lang="en-US" altLang="zh-CN" dirty="0" smtClean="0"/>
-              <a:t>API</a:t>
-            </a:r>
-            <a:r>
-              <a:rPr lang="zh-CN" altLang="en-US" dirty="0" smtClean="0"/>
-              <a:t>库增加的新的功能，包括利用多核环境的并行处理功能变得更加容易，以及支持对数据执行管道操作的新的流</a:t>
-            </a:r>
-            <a:r>
-              <a:rPr lang="en-US" altLang="zh-CN" dirty="0" smtClean="0"/>
-              <a:t>API</a:t>
+              <a:t>buff</a:t>
             </a:r>
             <a:r>
               <a:rPr lang="zh-CN" altLang="en-US" dirty="0" smtClean="0"/>
@@ -5050,6 +5351,44 @@
           </a:prstGeom>
         </p:spPr>
       </p:pic>
+      <p:sp>
+        <p:nvSpPr>
+          <p:cNvPr id="3" name="文本框 2"/>
+          <p:cNvSpPr txBox="1"/>
+          <p:nvPr/>
+        </p:nvSpPr>
+        <p:spPr>
+          <a:xfrm>
+            <a:off x="1316181" y="5510109"/>
+            <a:ext cx="6289963" cy="369332"/>
+          </a:xfrm>
+          <a:prstGeom prst="rect">
+            <a:avLst/>
+          </a:prstGeom>
+          <a:noFill/>
+        </p:spPr>
+        <p:txBody>
+          <a:bodyPr wrap="square" rtlCol="0">
+            <a:spAutoFit/>
+          </a:bodyPr>
+          <a:lstStyle/>
+          <a:p>
+            <a:r>
+              <a:rPr lang="en-US" altLang="zh-CN" dirty="0" smtClean="0">
+                <a:solidFill>
+                  <a:srgbClr val="FF0000"/>
+                </a:solidFill>
+              </a:rPr>
+              <a:t>Interger z = </a:t>
+            </a:r>
+            <a:r>
+              <a:rPr lang="en-US" altLang="zh-CN" dirty="0" smtClean="0"/>
+              <a:t>(Interger x, Interger y) -&gt; x + y;</a:t>
+            </a:r>
+            <a:endParaRPr lang="zh-CN" altLang="en-US" dirty="0"/>
+          </a:p>
+        </p:txBody>
+      </p:sp>
     </p:spTree>
     <p:extLst>
       <p:ext uri="{BB962C8B-B14F-4D97-AF65-F5344CB8AC3E}">
@@ -5238,6 +5577,52 @@
           </a:prstGeom>
         </p:spPr>
       </p:pic>
+      <p:sp>
+        <p:nvSpPr>
+          <p:cNvPr id="3" name="矩形 2"/>
+          <p:cNvSpPr/>
+          <p:nvPr/>
+        </p:nvSpPr>
+        <p:spPr>
+          <a:xfrm>
+            <a:off x="4149436" y="3048000"/>
+            <a:ext cx="1752600" cy="401782"/>
+          </a:xfrm>
+          <a:prstGeom prst="rect">
+            <a:avLst/>
+          </a:prstGeom>
+          <a:noFill/>
+          <a:ln w="38100">
+            <a:solidFill>
+              <a:srgbClr val="FF0000"/>
+            </a:solidFill>
+          </a:ln>
+        </p:spPr>
+        <p:style>
+          <a:lnRef idx="2">
+            <a:schemeClr val="accent1">
+              <a:shade val="50000"/>
+            </a:schemeClr>
+          </a:lnRef>
+          <a:fillRef idx="1">
+            <a:schemeClr val="accent1"/>
+          </a:fillRef>
+          <a:effectRef idx="0">
+            <a:schemeClr val="accent1"/>
+          </a:effectRef>
+          <a:fontRef idx="minor">
+            <a:schemeClr val="lt1"/>
+          </a:fontRef>
+        </p:style>
+        <p:txBody>
+          <a:bodyPr rtlCol="0" anchor="ctr"/>
+          <a:lstStyle/>
+          <a:p>
+            <a:pPr algn="ctr"/>
+            <a:endParaRPr lang="zh-CN" altLang="en-US"/>
+          </a:p>
+        </p:txBody>
+      </p:sp>
     </p:spTree>
     <p:extLst>
       <p:ext uri="{BB962C8B-B14F-4D97-AF65-F5344CB8AC3E}">
@@ -5299,14 +5684,14 @@
         <a:srgbClr val="954F72"/>
       </a:folHlink>
     </a:clrScheme>
-    <a:fontScheme name="Arial+Microsoft Yahei">
+    <a:fontScheme name="代码用">
       <a:majorFont>
-        <a:latin typeface="Arial"/>
+        <a:latin typeface="Consolas"/>
         <a:ea typeface="微软雅黑"/>
         <a:cs typeface=""/>
       </a:majorFont>
       <a:minorFont>
-        <a:latin typeface="Arial"/>
+        <a:latin typeface="Consolas"/>
         <a:ea typeface="微软雅黑"/>
         <a:cs typeface=""/>
       </a:minorFont>

--- a/lambda-ppt.pptx
+++ b/lambda-ppt.pptx
@@ -11880,10 +11880,14 @@
             </a:r>
             <a:r>
               <a:rPr lang="en-US" altLang="zh-CN" sz="3600" b="1" dirty="0"/>
-              <a:t>Paradox</a:t>
-            </a:r>
-            <a:r>
-              <a:rPr lang="zh-CN" altLang="en-US" sz="3600" b="1" dirty="0"/>
+              <a:t>Evaluation </a:t>
+            </a:r>
+            <a:r>
+              <a:rPr lang="en-US" altLang="zh-CN" sz="3600" b="1"/>
+              <a:t>Strtegies</a:t>
+            </a:r>
+            <a:r>
+              <a:rPr lang="zh-CN" altLang="en-US" sz="3600" b="1"/>
               <a:t> </a:t>
             </a:r>
             <a:endParaRPr lang="en-US" altLang="zh-CN" sz="3600" b="1" dirty="0"/>

--- a/lambda-ppt.pptx
+++ b/lambda-ppt.pptx
@@ -11879,15 +11879,11 @@
               <a:t> </a:t>
             </a:r>
             <a:r>
-              <a:rPr lang="en-US" altLang="zh-CN" sz="3600" b="1" dirty="0"/>
-              <a:t>Evaluation </a:t>
-            </a:r>
-            <a:r>
               <a:rPr lang="en-US" altLang="zh-CN" sz="3600" b="1"/>
-              <a:t>Strtegies</a:t>
-            </a:r>
-            <a:r>
-              <a:rPr lang="zh-CN" altLang="en-US" sz="3600" b="1"/>
+              <a:t>Evaluation Strategies</a:t>
+            </a:r>
+            <a:r>
+              <a:rPr lang="zh-CN" altLang="en-US" sz="3600" b="1" dirty="0"/>
               <a:t> </a:t>
             </a:r>
             <a:endParaRPr lang="en-US" altLang="zh-CN" sz="3600" b="1" dirty="0"/>
@@ -12758,8 +12754,12 @@
           <a:p>
             <a:pPr lvl="1"/>
             <a:r>
+              <a:rPr lang="en" altLang="zh-CN" b="1" dirty="0"/>
+              <a:t>Pairs</a:t>
+            </a:r>
+            <a:r>
               <a:rPr lang="en" altLang="zh-CN" dirty="0"/>
-              <a:t>Pairs(tuples, lists…)</a:t>
+              <a:t>(tuples, lists…)</a:t>
             </a:r>
           </a:p>
           <a:p>
